--- a/doc/lightning_talk.pptx
+++ b/doc/lightning_talk.pptx
@@ -6,27 +6,25 @@
     <p:sldMasterId id="2147483751" r:id="rId2"/>
   </p:sldMasterIdLst>
   <p:notesMasterIdLst>
-    <p:notesMasterId r:id="rId18"/>
+    <p:notesMasterId r:id="rId16"/>
   </p:notesMasterIdLst>
   <p:handoutMasterIdLst>
-    <p:handoutMasterId r:id="rId19"/>
+    <p:handoutMasterId r:id="rId17"/>
   </p:handoutMasterIdLst>
   <p:sldIdLst>
     <p:sldId id="256" r:id="rId3"/>
     <p:sldId id="307" r:id="rId4"/>
     <p:sldId id="302" r:id="rId5"/>
     <p:sldId id="305" r:id="rId6"/>
-    <p:sldId id="306" r:id="rId7"/>
-    <p:sldId id="303" r:id="rId8"/>
-    <p:sldId id="309" r:id="rId9"/>
-    <p:sldId id="314" r:id="rId10"/>
-    <p:sldId id="308" r:id="rId11"/>
-    <p:sldId id="310" r:id="rId12"/>
-    <p:sldId id="311" r:id="rId13"/>
-    <p:sldId id="312" r:id="rId14"/>
-    <p:sldId id="313" r:id="rId15"/>
-    <p:sldId id="315" r:id="rId16"/>
-    <p:sldId id="300" r:id="rId17"/>
+    <p:sldId id="303" r:id="rId7"/>
+    <p:sldId id="309" r:id="rId8"/>
+    <p:sldId id="308" r:id="rId9"/>
+    <p:sldId id="310" r:id="rId10"/>
+    <p:sldId id="311" r:id="rId11"/>
+    <p:sldId id="312" r:id="rId12"/>
+    <p:sldId id="313" r:id="rId13"/>
+    <p:sldId id="315" r:id="rId14"/>
+    <p:sldId id="300" r:id="rId15"/>
   </p:sldIdLst>
   <p:sldSz cx="9144000" cy="6858000" type="screen4x3"/>
   <p:notesSz cx="6858000" cy="9144000"/>
@@ -896,6 +894,201 @@
 </p:notes>
 </file>
 
+<file path=ppt/notesSlides/notesSlide3.xml><?xml version="1.0" encoding="utf-8"?>
+<p:notes xmlns:a="http://schemas.openxmlformats.org/drawingml/2006/main" xmlns:r="http://schemas.openxmlformats.org/officeDocument/2006/relationships" xmlns:p="http://schemas.openxmlformats.org/presentationml/2006/main">
+  <p:cSld>
+    <p:spTree>
+      <p:nvGrpSpPr>
+        <p:cNvPr id="1" name=""/>
+        <p:cNvGrpSpPr/>
+        <p:nvPr/>
+      </p:nvGrpSpPr>
+      <p:grpSpPr>
+        <a:xfrm>
+          <a:off x="0" y="0"/>
+          <a:ext cx="0" cy="0"/>
+          <a:chOff x="0" y="0"/>
+          <a:chExt cx="0" cy="0"/>
+        </a:xfrm>
+      </p:grpSpPr>
+      <p:sp>
+        <p:nvSpPr>
+          <p:cNvPr id="2" name="Slide Image Placeholder 1"/>
+          <p:cNvSpPr>
+            <a:spLocks noGrp="1" noRot="1" noChangeAspect="1"/>
+          </p:cNvSpPr>
+          <p:nvPr>
+            <p:ph type="sldImg"/>
+          </p:nvPr>
+        </p:nvSpPr>
+        <p:spPr/>
+      </p:sp>
+      <p:sp>
+        <p:nvSpPr>
+          <p:cNvPr id="3" name="Notes Placeholder 2"/>
+          <p:cNvSpPr>
+            <a:spLocks noGrp="1"/>
+          </p:cNvSpPr>
+          <p:nvPr>
+            <p:ph type="body" idx="1"/>
+          </p:nvPr>
+        </p:nvSpPr>
+        <p:spPr/>
+        <p:txBody>
+          <a:bodyPr/>
+          <a:lstStyle/>
+          <a:p>
+            <a:endParaRPr lang="en-US" dirty="0"/>
+          </a:p>
+        </p:txBody>
+      </p:sp>
+      <p:sp>
+        <p:nvSpPr>
+          <p:cNvPr id="4" name="Slide Number Placeholder 3"/>
+          <p:cNvSpPr>
+            <a:spLocks noGrp="1"/>
+          </p:cNvSpPr>
+          <p:nvPr>
+            <p:ph type="sldNum" sz="quarter" idx="5"/>
+          </p:nvPr>
+        </p:nvSpPr>
+        <p:spPr/>
+        <p:txBody>
+          <a:bodyPr/>
+          <a:lstStyle/>
+          <a:p>
+            <a:fld id="{D904D311-73F7-5D42-B843-E8305C73070F}" type="slidenum">
+              <a:rPr lang="en-US" smtClean="0"/>
+              <a:t>8</a:t>
+            </a:fld>
+            <a:endParaRPr lang="en-US" dirty="0"/>
+          </a:p>
+        </p:txBody>
+      </p:sp>
+    </p:spTree>
+    <p:extLst>
+      <p:ext uri="{BB962C8B-B14F-4D97-AF65-F5344CB8AC3E}">
+        <p14:creationId xmlns:p14="http://schemas.microsoft.com/office/powerpoint/2010/main" val="436496417"/>
+      </p:ext>
+    </p:extLst>
+  </p:cSld>
+  <p:clrMapOvr>
+    <a:masterClrMapping/>
+  </p:clrMapOvr>
+</p:notes>
+</file>
+
+<file path=ppt/notesSlides/notesSlide4.xml><?xml version="1.0" encoding="utf-8"?>
+<p:notes xmlns:a="http://schemas.openxmlformats.org/drawingml/2006/main" xmlns:r="http://schemas.openxmlformats.org/officeDocument/2006/relationships" xmlns:p="http://schemas.openxmlformats.org/presentationml/2006/main">
+  <p:cSld>
+    <p:spTree>
+      <p:nvGrpSpPr>
+        <p:cNvPr id="1" name=""/>
+        <p:cNvGrpSpPr/>
+        <p:nvPr/>
+      </p:nvGrpSpPr>
+      <p:grpSpPr>
+        <a:xfrm>
+          <a:off x="0" y="0"/>
+          <a:ext cx="0" cy="0"/>
+          <a:chOff x="0" y="0"/>
+          <a:chExt cx="0" cy="0"/>
+        </a:xfrm>
+      </p:grpSpPr>
+      <p:sp>
+        <p:nvSpPr>
+          <p:cNvPr id="2" name="Slide Image Placeholder 1"/>
+          <p:cNvSpPr>
+            <a:spLocks noGrp="1" noRot="1" noChangeAspect="1"/>
+          </p:cNvSpPr>
+          <p:nvPr>
+            <p:ph type="sldImg"/>
+          </p:nvPr>
+        </p:nvSpPr>
+        <p:spPr/>
+      </p:sp>
+      <p:sp>
+        <p:nvSpPr>
+          <p:cNvPr id="3" name="Notes Placeholder 2"/>
+          <p:cNvSpPr>
+            <a:spLocks noGrp="1"/>
+          </p:cNvSpPr>
+          <p:nvPr>
+            <p:ph type="body" idx="1"/>
+          </p:nvPr>
+        </p:nvSpPr>
+        <p:spPr/>
+        <p:txBody>
+          <a:bodyPr/>
+          <a:lstStyle/>
+          <a:p>
+            <a:endParaRPr lang="en-US" sz="1200" dirty="0"/>
+          </a:p>
+          <a:p>
+            <a:r>
+              <a:rPr lang="en-US" sz="1200" dirty="0">
+                <a:solidFill>
+                  <a:srgbClr val="C00000"/>
+                </a:solidFill>
+              </a:rPr>
+              <a:t>Simple fact </a:t>
+            </a:r>
+            <a:r>
+              <a:rPr lang="en-US" sz="800" dirty="0">
+                <a:solidFill>
+                  <a:srgbClr val="C00000"/>
+                </a:solidFill>
+              </a:rPr>
+              <a:t>(maybe even stereotypical)</a:t>
+            </a:r>
+          </a:p>
+          <a:p>
+            <a:r>
+              <a:rPr lang="en-US" sz="1200" dirty="0"/>
+              <a:t>Hispanic people have the highest percentage of physical occupations.</a:t>
+            </a:r>
+          </a:p>
+          <a:p>
+            <a:endParaRPr lang="en-US" dirty="0"/>
+          </a:p>
+        </p:txBody>
+      </p:sp>
+      <p:sp>
+        <p:nvSpPr>
+          <p:cNvPr id="4" name="Slide Number Placeholder 3"/>
+          <p:cNvSpPr>
+            <a:spLocks noGrp="1"/>
+          </p:cNvSpPr>
+          <p:nvPr>
+            <p:ph type="sldNum" sz="quarter" idx="5"/>
+          </p:nvPr>
+        </p:nvSpPr>
+        <p:spPr/>
+        <p:txBody>
+          <a:bodyPr/>
+          <a:lstStyle/>
+          <a:p>
+            <a:fld id="{D904D311-73F7-5D42-B843-E8305C73070F}" type="slidenum">
+              <a:rPr lang="en-US" smtClean="0"/>
+              <a:t>9</a:t>
+            </a:fld>
+            <a:endParaRPr lang="en-US" dirty="0"/>
+          </a:p>
+        </p:txBody>
+      </p:sp>
+    </p:spTree>
+    <p:extLst>
+      <p:ext uri="{BB962C8B-B14F-4D97-AF65-F5344CB8AC3E}">
+        <p14:creationId xmlns:p14="http://schemas.microsoft.com/office/powerpoint/2010/main" val="2352132417"/>
+      </p:ext>
+    </p:extLst>
+  </p:cSld>
+  <p:clrMapOvr>
+    <a:masterClrMapping/>
+  </p:clrMapOvr>
+</p:notes>
+</file>
+
 <file path=ppt/slideLayouts/slideLayout1.xml><?xml version="1.0" encoding="utf-8"?>
 <p:sldLayout xmlns:a="http://schemas.openxmlformats.org/drawingml/2006/main" xmlns:r="http://schemas.openxmlformats.org/officeDocument/2006/relationships" xmlns:p="http://schemas.openxmlformats.org/presentationml/2006/main" preserve="1" userDrawn="1">
   <p:cSld name="Content">
@@ -923,9 +1116,18 @@
   <p:clrMapOvr>
     <a:masterClrMapping/>
   </p:clrMapOvr>
-  <p:transition spd="slow" advClick="0" advTm="20000">
-    <p:fade/>
-  </p:transition>
+  <mc:AlternateContent xmlns:mc="http://schemas.openxmlformats.org/markup-compatibility/2006">
+    <mc:Choice xmlns:p14="http://schemas.microsoft.com/office/powerpoint/2010/main" Requires="p14">
+      <p:transition p14:dur="10" advClick="0">
+        <p:fade/>
+      </p:transition>
+    </mc:Choice>
+    <mc:Fallback>
+      <p:transition advClick="0">
+        <p:fade/>
+      </p:transition>
+    </mc:Fallback>
+  </mc:AlternateContent>
 </p:sldLayout>
 </file>
 
@@ -956,9 +1158,18 @@
   <p:clrMapOvr>
     <a:masterClrMapping/>
   </p:clrMapOvr>
-  <p:transition spd="slow" advClick="0" advTm="20000">
-    <p:fade/>
-  </p:transition>
+  <mc:AlternateContent xmlns:mc="http://schemas.openxmlformats.org/markup-compatibility/2006">
+    <mc:Choice xmlns:p14="http://schemas.microsoft.com/office/powerpoint/2010/main" Requires="p14">
+      <p:transition p14:dur="10" advClick="0">
+        <p:fade/>
+      </p:transition>
+    </mc:Choice>
+    <mc:Fallback>
+      <p:transition advClick="0">
+        <p:fade/>
+      </p:transition>
+    </mc:Fallback>
+  </mc:AlternateContent>
 </p:sldLayout>
 </file>
 
@@ -1210,9 +1421,18 @@
   <p:clrMapOvr>
     <a:masterClrMapping/>
   </p:clrMapOvr>
-  <p:transition spd="slow" advClick="0" advTm="20000">
-    <p:fade/>
-  </p:transition>
+  <mc:AlternateContent xmlns:mc="http://schemas.openxmlformats.org/markup-compatibility/2006">
+    <mc:Choice xmlns:p14="http://schemas.microsoft.com/office/powerpoint/2010/main" Requires="p14">
+      <p:transition p14:dur="10" advClick="0">
+        <p:fade/>
+      </p:transition>
+    </mc:Choice>
+    <mc:Fallback>
+      <p:transition advClick="0">
+        <p:fade/>
+      </p:transition>
+    </mc:Fallback>
+  </mc:AlternateContent>
 </p:sldLayout>
 </file>
 
@@ -1523,9 +1743,18 @@
   <p:clrMapOvr>
     <a:masterClrMapping/>
   </p:clrMapOvr>
-  <p:transition spd="slow" advClick="0" advTm="20000">
-    <p:fade/>
-  </p:transition>
+  <mc:AlternateContent xmlns:mc="http://schemas.openxmlformats.org/markup-compatibility/2006">
+    <mc:Choice xmlns:p14="http://schemas.microsoft.com/office/powerpoint/2010/main" Requires="p14">
+      <p:transition p14:dur="10" advClick="0">
+        <p:fade/>
+      </p:transition>
+    </mc:Choice>
+    <mc:Fallback>
+      <p:transition advClick="0">
+        <p:fade/>
+      </p:transition>
+    </mc:Fallback>
+  </mc:AlternateContent>
 </p:sldLayout>
 </file>
 
@@ -1916,9 +2145,18 @@
   <p:clrMapOvr>
     <a:masterClrMapping/>
   </p:clrMapOvr>
-  <p:transition spd="slow" advClick="0" advTm="20000">
-    <p:fade/>
-  </p:transition>
+  <mc:AlternateContent xmlns:mc="http://schemas.openxmlformats.org/markup-compatibility/2006">
+    <mc:Choice xmlns:p14="http://schemas.microsoft.com/office/powerpoint/2010/main" Requires="p14">
+      <p:transition p14:dur="10" advClick="0">
+        <p:fade/>
+      </p:transition>
+    </mc:Choice>
+    <mc:Fallback>
+      <p:transition advClick="0">
+        <p:fade/>
+      </p:transition>
+    </mc:Fallback>
+  </mc:AlternateContent>
 </p:sldLayout>
 </file>
 
@@ -2238,9 +2476,18 @@
   <p:clrMapOvr>
     <a:masterClrMapping/>
   </p:clrMapOvr>
-  <p:transition spd="slow" advClick="0" advTm="20000">
-    <p:fade/>
-  </p:transition>
+  <mc:AlternateContent xmlns:mc="http://schemas.openxmlformats.org/markup-compatibility/2006">
+    <mc:Choice xmlns:p14="http://schemas.microsoft.com/office/powerpoint/2010/main" Requires="p14">
+      <p:transition p14:dur="10" advClick="0">
+        <p:fade/>
+      </p:transition>
+    </mc:Choice>
+    <mc:Fallback>
+      <p:transition advClick="0">
+        <p:fade/>
+      </p:transition>
+    </mc:Fallback>
+  </mc:AlternateContent>
 </p:sldLayout>
 </file>
 
@@ -2637,9 +2884,18 @@
   <p:clrMapOvr>
     <a:masterClrMapping/>
   </p:clrMapOvr>
-  <p:transition spd="slow" advClick="0" advTm="20000">
-    <p:fade/>
-  </p:transition>
+  <mc:AlternateContent xmlns:mc="http://schemas.openxmlformats.org/markup-compatibility/2006">
+    <mc:Choice xmlns:p14="http://schemas.microsoft.com/office/powerpoint/2010/main" Requires="p14">
+      <p:transition p14:dur="10" advClick="0">
+        <p:fade/>
+      </p:transition>
+    </mc:Choice>
+    <mc:Fallback>
+      <p:transition advClick="0">
+        <p:fade/>
+      </p:transition>
+    </mc:Fallback>
+  </mc:AlternateContent>
 </p:sldLayout>
 </file>
 
@@ -2989,9 +3245,18 @@
   <p:clrMapOvr>
     <a:masterClrMapping/>
   </p:clrMapOvr>
-  <p:transition spd="slow" advClick="0" advTm="20000">
-    <p:fade/>
-  </p:transition>
+  <mc:AlternateContent xmlns:mc="http://schemas.openxmlformats.org/markup-compatibility/2006">
+    <mc:Choice xmlns:p14="http://schemas.microsoft.com/office/powerpoint/2010/main" Requires="p14">
+      <p:transition p14:dur="10" advClick="0">
+        <p:fade/>
+      </p:transition>
+    </mc:Choice>
+    <mc:Fallback>
+      <p:transition advClick="0">
+        <p:fade/>
+      </p:transition>
+    </mc:Fallback>
+  </mc:AlternateContent>
 </p:sldLayout>
 </file>
 
@@ -3149,9 +3414,18 @@
   <p:sldLayoutIdLst>
     <p:sldLayoutId id="2147483777" r:id="rId1"/>
   </p:sldLayoutIdLst>
-  <p:transition spd="slow" advClick="0" advTm="20000">
-    <p:fade/>
-  </p:transition>
+  <mc:AlternateContent xmlns:mc="http://schemas.openxmlformats.org/markup-compatibility/2006">
+    <mc:Choice xmlns:p14="http://schemas.microsoft.com/office/powerpoint/2010/main" Requires="p14">
+      <p:transition p14:dur="10" advClick="0">
+        <p:fade/>
+      </p:transition>
+    </mc:Choice>
+    <mc:Fallback>
+      <p:transition advClick="0">
+        <p:fade/>
+      </p:transition>
+    </mc:Fallback>
+  </mc:AlternateContent>
   <p:txStyles>
     <p:titleStyle>
       <a:lvl1pPr algn="ctr" defTabSz="457200" rtl="0" eaLnBrk="1" latinLnBrk="0" hangingPunct="1">
@@ -3600,9 +3874,18 @@
     <p:sldLayoutId id="2147483768" r:id="rId6"/>
     <p:sldLayoutId id="2147483763" r:id="rId7"/>
   </p:sldLayoutIdLst>
-  <p:transition spd="slow" advClick="0" advTm="20000">
-    <p:fade/>
-  </p:transition>
+  <mc:AlternateContent xmlns:mc="http://schemas.openxmlformats.org/markup-compatibility/2006">
+    <mc:Choice xmlns:p14="http://schemas.microsoft.com/office/powerpoint/2010/main" Requires="p14">
+      <p:transition p14:dur="10" advClick="0">
+        <p:fade/>
+      </p:transition>
+    </mc:Choice>
+    <mc:Fallback>
+      <p:transition advClick="0">
+        <p:fade/>
+      </p:transition>
+    </mc:Fallback>
+  </mc:AlternateContent>
   <p:txStyles>
     <p:titleStyle>
       <a:lvl1pPr algn="l" defTabSz="457200" rtl="0" eaLnBrk="1" latinLnBrk="0" hangingPunct="1">
@@ -4250,9 +4533,18 @@
   <p:clrMapOvr>
     <a:masterClrMapping/>
   </p:clrMapOvr>
-  <p:transition spd="slow" advClick="0" advTm="20000">
-    <p:fade/>
-  </p:transition>
+  <mc:AlternateContent xmlns:mc="http://schemas.openxmlformats.org/markup-compatibility/2006">
+    <mc:Choice xmlns:p14="http://schemas.microsoft.com/office/powerpoint/2010/main" Requires="p14">
+      <p:transition p14:dur="10">
+        <p:fade/>
+      </p:transition>
+    </mc:Choice>
+    <mc:Fallback>
+      <p:transition>
+        <p:fade/>
+      </p:transition>
+    </mc:Fallback>
+  </mc:AlternateContent>
 </p:sld>
 </file>
 
@@ -4278,435 +4570,6 @@
           <p:cNvPr id="2" name="Content Placeholder 1">
             <a:extLst>
               <a:ext uri="{FF2B5EF4-FFF2-40B4-BE49-F238E27FC236}">
-                <a16:creationId xmlns:a16="http://schemas.microsoft.com/office/drawing/2014/main" id="{7463A9E8-A66F-4C70-A2CA-6B81922A12C7}"/>
-              </a:ext>
-            </a:extLst>
-          </p:cNvPr>
-          <p:cNvSpPr>
-            <a:spLocks noGrp="1"/>
-          </p:cNvSpPr>
-          <p:nvPr>
-            <p:ph idx="15"/>
-          </p:nvPr>
-        </p:nvSpPr>
-        <p:spPr/>
-        <p:txBody>
-          <a:bodyPr/>
-          <a:lstStyle/>
-          <a:p>
-            <a:endParaRPr lang="en-US"/>
-          </a:p>
-        </p:txBody>
-      </p:sp>
-      <p:sp>
-        <p:nvSpPr>
-          <p:cNvPr id="3" name="Content Placeholder 2">
-            <a:extLst>
-              <a:ext uri="{FF2B5EF4-FFF2-40B4-BE49-F238E27FC236}">
-                <a16:creationId xmlns:a16="http://schemas.microsoft.com/office/drawing/2014/main" id="{7A007C9B-1660-44BF-9254-ADBA18DF7AAA}"/>
-              </a:ext>
-            </a:extLst>
-          </p:cNvPr>
-          <p:cNvSpPr>
-            <a:spLocks noGrp="1"/>
-          </p:cNvSpPr>
-          <p:nvPr>
-            <p:ph idx="16"/>
-          </p:nvPr>
-        </p:nvSpPr>
-        <p:spPr/>
-        <p:txBody>
-          <a:bodyPr/>
-          <a:lstStyle/>
-          <a:p>
-            <a:endParaRPr lang="en-US" dirty="0"/>
-          </a:p>
-        </p:txBody>
-      </p:sp>
-      <p:sp>
-        <p:nvSpPr>
-          <p:cNvPr id="4" name="Content Placeholder 3">
-            <a:extLst>
-              <a:ext uri="{FF2B5EF4-FFF2-40B4-BE49-F238E27FC236}">
-                <a16:creationId xmlns:a16="http://schemas.microsoft.com/office/drawing/2014/main" id="{D39CEFBA-27E1-44BD-9B37-1AB0EC27B436}"/>
-              </a:ext>
-            </a:extLst>
-          </p:cNvPr>
-          <p:cNvSpPr>
-            <a:spLocks noGrp="1"/>
-          </p:cNvSpPr>
-          <p:nvPr>
-            <p:ph idx="14"/>
-          </p:nvPr>
-        </p:nvSpPr>
-        <p:spPr/>
-        <p:txBody>
-          <a:bodyPr/>
-          <a:lstStyle/>
-          <a:p>
-            <a:r>
-              <a:rPr lang="en-US" dirty="0"/>
-              <a:t>If a city has </a:t>
-            </a:r>
-            <a:r>
-              <a:rPr lang="en-US" dirty="0">
-                <a:solidFill>
-                  <a:srgbClr val="C00000"/>
-                </a:solidFill>
-              </a:rPr>
-              <a:t>higher</a:t>
-            </a:r>
-            <a:r>
-              <a:rPr lang="en-US" dirty="0"/>
-              <a:t> ratio of African-American people and women, </a:t>
-            </a:r>
-            <a:r>
-              <a:rPr lang="en-US" dirty="0">
-                <a:solidFill>
-                  <a:srgbClr val="C00000"/>
-                </a:solidFill>
-              </a:rPr>
-              <a:t>more</a:t>
-            </a:r>
-            <a:r>
-              <a:rPr lang="en-US" dirty="0"/>
-              <a:t> people will use transit during the lockdown.</a:t>
-            </a:r>
-          </a:p>
-          <a:p>
-            <a:endParaRPr lang="en-US" dirty="0"/>
-          </a:p>
-          <a:p>
-            <a:r>
-              <a:rPr lang="en-US" b="1" dirty="0"/>
-              <a:t>Survey shows:</a:t>
-            </a:r>
-          </a:p>
-          <a:p>
-            <a:r>
-              <a:rPr lang="en-US" dirty="0"/>
-              <a:t>African-American: </a:t>
-            </a:r>
-            <a:r>
-              <a:rPr lang="en-US" dirty="0">
-                <a:solidFill>
-                  <a:srgbClr val="C00000"/>
-                </a:solidFill>
-              </a:rPr>
-              <a:t>24% =&gt; 37%</a:t>
-            </a:r>
-          </a:p>
-          <a:p>
-            <a:r>
-              <a:rPr lang="en-US" dirty="0"/>
-              <a:t>Caucasian: </a:t>
-            </a:r>
-            <a:r>
-              <a:rPr lang="en-US" dirty="0">
-                <a:solidFill>
-                  <a:srgbClr val="C00000"/>
-                </a:solidFill>
-              </a:rPr>
-              <a:t>41% =&gt; 23%</a:t>
-            </a:r>
-          </a:p>
-          <a:p>
-            <a:r>
-              <a:rPr lang="en-US" dirty="0"/>
-              <a:t>Gender ratio: </a:t>
-            </a:r>
-            <a:r>
-              <a:rPr lang="en-US" dirty="0">
-                <a:solidFill>
-                  <a:srgbClr val="C00000"/>
-                </a:solidFill>
-              </a:rPr>
-              <a:t>50 (F) / 50 (M) =&gt; 56 (F) / 40 (M)</a:t>
-            </a:r>
-          </a:p>
-          <a:p>
-            <a:endParaRPr lang="en-US" dirty="0"/>
-          </a:p>
-          <a:p>
-            <a:r>
-              <a:rPr lang="en-US" dirty="0"/>
-              <a:t>In some cities like Philadelphia, more than </a:t>
-            </a:r>
-            <a:r>
-              <a:rPr lang="en-US" dirty="0">
-                <a:solidFill>
-                  <a:srgbClr val="C00000"/>
-                </a:solidFill>
-              </a:rPr>
-              <a:t>68%</a:t>
-            </a:r>
-            <a:r>
-              <a:rPr lang="en-US" dirty="0"/>
-              <a:t> of riders are women.</a:t>
-            </a:r>
-          </a:p>
-        </p:txBody>
-      </p:sp>
-      <p:sp>
-        <p:nvSpPr>
-          <p:cNvPr id="5" name="Title 4">
-            <a:extLst>
-              <a:ext uri="{FF2B5EF4-FFF2-40B4-BE49-F238E27FC236}">
-                <a16:creationId xmlns:a16="http://schemas.microsoft.com/office/drawing/2014/main" id="{7C9942E4-A50A-49C7-A40D-FE43005F3873}"/>
-              </a:ext>
-            </a:extLst>
-          </p:cNvPr>
-          <p:cNvSpPr>
-            <a:spLocks noGrp="1"/>
-          </p:cNvSpPr>
-          <p:nvPr>
-            <p:ph type="title"/>
-          </p:nvPr>
-        </p:nvSpPr>
-        <p:spPr/>
-        <p:txBody>
-          <a:bodyPr>
-            <a:noAutofit/>
-          </a:bodyPr>
-          <a:lstStyle/>
-          <a:p>
-            <a:r>
-              <a:rPr lang="en-US" sz="2800" dirty="0"/>
-              <a:t>Who is using transit – African-American and women</a:t>
-            </a:r>
-          </a:p>
-        </p:txBody>
-      </p:sp>
-    </p:spTree>
-    <p:extLst>
-      <p:ext uri="{BB962C8B-B14F-4D97-AF65-F5344CB8AC3E}">
-        <p14:creationId xmlns:p14="http://schemas.microsoft.com/office/powerpoint/2010/main" val="327055955"/>
-      </p:ext>
-    </p:extLst>
-  </p:cSld>
-  <p:clrMapOvr>
-    <a:masterClrMapping/>
-  </p:clrMapOvr>
-  <p:transition spd="slow" advClick="0" advTm="20000">
-    <p:fade/>
-  </p:transition>
-</p:sld>
-</file>
-
-<file path=ppt/slides/slide11.xml><?xml version="1.0" encoding="utf-8"?>
-<p:sld xmlns:a="http://schemas.openxmlformats.org/drawingml/2006/main" xmlns:r="http://schemas.openxmlformats.org/officeDocument/2006/relationships" xmlns:p="http://schemas.openxmlformats.org/presentationml/2006/main">
-  <p:cSld>
-    <p:spTree>
-      <p:nvGrpSpPr>
-        <p:cNvPr id="1" name=""/>
-        <p:cNvGrpSpPr/>
-        <p:nvPr/>
-      </p:nvGrpSpPr>
-      <p:grpSpPr>
-        <a:xfrm>
-          <a:off x="0" y="0"/>
-          <a:ext cx="0" cy="0"/>
-          <a:chOff x="0" y="0"/>
-          <a:chExt cx="0" cy="0"/>
-        </a:xfrm>
-      </p:grpSpPr>
-      <p:sp>
-        <p:nvSpPr>
-          <p:cNvPr id="2" name="Content Placeholder 1">
-            <a:extLst>
-              <a:ext uri="{FF2B5EF4-FFF2-40B4-BE49-F238E27FC236}">
-                <a16:creationId xmlns:a16="http://schemas.microsoft.com/office/drawing/2014/main" id="{DFF82C1E-3F86-4722-82DB-C28EA1648010}"/>
-              </a:ext>
-            </a:extLst>
-          </p:cNvPr>
-          <p:cNvSpPr>
-            <a:spLocks noGrp="1"/>
-          </p:cNvSpPr>
-          <p:nvPr>
-            <p:ph idx="15"/>
-          </p:nvPr>
-        </p:nvSpPr>
-        <p:spPr/>
-        <p:txBody>
-          <a:bodyPr/>
-          <a:lstStyle/>
-          <a:p>
-            <a:endParaRPr lang="en-US"/>
-          </a:p>
-        </p:txBody>
-      </p:sp>
-      <p:sp>
-        <p:nvSpPr>
-          <p:cNvPr id="3" name="Content Placeholder 2">
-            <a:extLst>
-              <a:ext uri="{FF2B5EF4-FFF2-40B4-BE49-F238E27FC236}">
-                <a16:creationId xmlns:a16="http://schemas.microsoft.com/office/drawing/2014/main" id="{C0A3A575-2DE1-45F4-A6C9-6AA529F9BDB5}"/>
-              </a:ext>
-            </a:extLst>
-          </p:cNvPr>
-          <p:cNvSpPr>
-            <a:spLocks noGrp="1"/>
-          </p:cNvSpPr>
-          <p:nvPr>
-            <p:ph idx="16"/>
-          </p:nvPr>
-        </p:nvSpPr>
-        <p:spPr/>
-        <p:txBody>
-          <a:bodyPr/>
-          <a:lstStyle/>
-          <a:p>
-            <a:endParaRPr lang="en-US"/>
-          </a:p>
-        </p:txBody>
-      </p:sp>
-      <p:sp>
-        <p:nvSpPr>
-          <p:cNvPr id="4" name="Content Placeholder 3">
-            <a:extLst>
-              <a:ext uri="{FF2B5EF4-FFF2-40B4-BE49-F238E27FC236}">
-                <a16:creationId xmlns:a16="http://schemas.microsoft.com/office/drawing/2014/main" id="{E83D56F8-ABD4-4353-8A75-5FABFCC6D8C5}"/>
-              </a:ext>
-            </a:extLst>
-          </p:cNvPr>
-          <p:cNvSpPr>
-            <a:spLocks noGrp="1"/>
-          </p:cNvSpPr>
-          <p:nvPr>
-            <p:ph idx="14"/>
-          </p:nvPr>
-        </p:nvSpPr>
-        <p:spPr/>
-        <p:txBody>
-          <a:bodyPr/>
-          <a:lstStyle/>
-          <a:p>
-            <a:endParaRPr lang="en-US" sz="2800" dirty="0"/>
-          </a:p>
-          <a:p>
-            <a:r>
-              <a:rPr lang="en-US" sz="2800" dirty="0"/>
-              <a:t>More people cannot work remotely (necessary workers), more people sticked to the transit.</a:t>
-            </a:r>
-          </a:p>
-          <a:p>
-            <a:endParaRPr lang="en-US" sz="2800" dirty="0"/>
-          </a:p>
-          <a:p>
-            <a:r>
-              <a:rPr lang="en-US" sz="2800" dirty="0"/>
-              <a:t>More Hispanic people, more people used transit.</a:t>
-            </a:r>
-          </a:p>
-          <a:p>
-            <a:endParaRPr lang="en-US" sz="2800" dirty="0"/>
-          </a:p>
-          <a:p>
-            <a:r>
-              <a:rPr lang="en-US" sz="2800" dirty="0">
-                <a:solidFill>
-                  <a:srgbClr val="C00000"/>
-                </a:solidFill>
-              </a:rPr>
-              <a:t>Simple fact </a:t>
-            </a:r>
-            <a:r>
-              <a:rPr lang="en-US" sz="1100" dirty="0">
-                <a:solidFill>
-                  <a:srgbClr val="C00000"/>
-                </a:solidFill>
-              </a:rPr>
-              <a:t>(maybe even stereotypical)</a:t>
-            </a:r>
-          </a:p>
-          <a:p>
-            <a:r>
-              <a:rPr lang="en-US" sz="2800" dirty="0"/>
-              <a:t>Hispanic people have the highest percentage of physical occupations.</a:t>
-            </a:r>
-          </a:p>
-          <a:p>
-            <a:endParaRPr lang="en-US" sz="2800" dirty="0"/>
-          </a:p>
-          <a:p>
-            <a:endParaRPr lang="en-US" sz="2800" dirty="0"/>
-          </a:p>
-          <a:p>
-            <a:endParaRPr lang="en-US" sz="2800" dirty="0"/>
-          </a:p>
-          <a:p>
-            <a:endParaRPr lang="en-US" sz="2800" dirty="0"/>
-          </a:p>
-        </p:txBody>
-      </p:sp>
-      <p:sp>
-        <p:nvSpPr>
-          <p:cNvPr id="5" name="Title 4">
-            <a:extLst>
-              <a:ext uri="{FF2B5EF4-FFF2-40B4-BE49-F238E27FC236}">
-                <a16:creationId xmlns:a16="http://schemas.microsoft.com/office/drawing/2014/main" id="{B75A5F5D-EA01-4E97-985F-B68DECD043A1}"/>
-              </a:ext>
-            </a:extLst>
-          </p:cNvPr>
-          <p:cNvSpPr>
-            <a:spLocks noGrp="1"/>
-          </p:cNvSpPr>
-          <p:nvPr>
-            <p:ph type="title"/>
-          </p:nvPr>
-        </p:nvSpPr>
-        <p:spPr/>
-        <p:txBody>
-          <a:bodyPr>
-            <a:noAutofit/>
-          </a:bodyPr>
-          <a:lstStyle/>
-          <a:p>
-            <a:r>
-              <a:rPr lang="en-US" sz="3200" dirty="0"/>
-              <a:t>Who is using transit – Occupation/Hispanic</a:t>
-            </a:r>
-          </a:p>
-        </p:txBody>
-      </p:sp>
-    </p:spTree>
-    <p:extLst>
-      <p:ext uri="{BB962C8B-B14F-4D97-AF65-F5344CB8AC3E}">
-        <p14:creationId xmlns:p14="http://schemas.microsoft.com/office/powerpoint/2010/main" val="1807125790"/>
-      </p:ext>
-    </p:extLst>
-  </p:cSld>
-  <p:clrMapOvr>
-    <a:masterClrMapping/>
-  </p:clrMapOvr>
-  <p:transition spd="slow" advClick="0" advTm="20000">
-    <p:fade/>
-  </p:transition>
-</p:sld>
-</file>
-
-<file path=ppt/slides/slide12.xml><?xml version="1.0" encoding="utf-8"?>
-<p:sld xmlns:a="http://schemas.openxmlformats.org/drawingml/2006/main" xmlns:r="http://schemas.openxmlformats.org/officeDocument/2006/relationships" xmlns:p="http://schemas.openxmlformats.org/presentationml/2006/main">
-  <p:cSld>
-    <p:spTree>
-      <p:nvGrpSpPr>
-        <p:cNvPr id="1" name=""/>
-        <p:cNvGrpSpPr/>
-        <p:nvPr/>
-      </p:nvGrpSpPr>
-      <p:grpSpPr>
-        <a:xfrm>
-          <a:off x="0" y="0"/>
-          <a:ext cx="0" cy="0"/>
-          <a:chOff x="0" y="0"/>
-          <a:chExt cx="0" cy="0"/>
-        </a:xfrm>
-      </p:grpSpPr>
-      <p:sp>
-        <p:nvSpPr>
-          <p:cNvPr id="2" name="Content Placeholder 1">
-            <a:extLst>
-              <a:ext uri="{FF2B5EF4-FFF2-40B4-BE49-F238E27FC236}">
                 <a16:creationId xmlns:a16="http://schemas.microsoft.com/office/drawing/2014/main" id="{DE8EEAD2-3125-467F-93F6-34C07C988DA0}"/>
               </a:ext>
             </a:extLst>
@@ -4773,15 +4636,12 @@
           <a:bodyPr/>
           <a:lstStyle/>
           <a:p>
-            <a:r>
-              <a:rPr lang="en-US" dirty="0"/>
-              <a:t>More senior people over 45 years old, more people using transit.</a:t>
-            </a:r>
-          </a:p>
-          <a:p>
-            <a:r>
-              <a:rPr lang="en-US" dirty="0"/>
-              <a:t>More people searching “Coronavirus” on Google, less people using transit.</a:t>
+            <a:endParaRPr lang="en-US" dirty="0"/>
+          </a:p>
+          <a:p>
+            <a:r>
+              <a:rPr lang="en-US" sz="2400" dirty="0"/>
+              <a:t>More people searching “Coronavirus” on Google, less people using transit – the least important factor in the model.</a:t>
             </a:r>
           </a:p>
           <a:p>
@@ -4837,7 +4697,7 @@
           <a:p>
             <a:r>
               <a:rPr lang="en-US" sz="3200" dirty="0"/>
-              <a:t>Who is using transit – age and awareness</a:t>
+              <a:t>Who is using transit</a:t>
             </a:r>
           </a:p>
         </p:txBody>
@@ -4852,13 +4712,22 @@
   <p:clrMapOvr>
     <a:masterClrMapping/>
   </p:clrMapOvr>
-  <p:transition spd="slow" advClick="0" advTm="20000">
-    <p:fade/>
-  </p:transition>
+  <mc:AlternateContent xmlns:mc="http://schemas.openxmlformats.org/markup-compatibility/2006">
+    <mc:Choice xmlns:p14="http://schemas.microsoft.com/office/powerpoint/2010/main" Requires="p14">
+      <p:transition p14:dur="10" advClick="0">
+        <p:fade/>
+      </p:transition>
+    </mc:Choice>
+    <mc:Fallback>
+      <p:transition advClick="0">
+        <p:fade/>
+      </p:transition>
+    </mc:Fallback>
+  </mc:AlternateContent>
 </p:sld>
 </file>
 
-<file path=ppt/slides/slide13.xml><?xml version="1.0" encoding="utf-8"?>
+<file path=ppt/slides/slide11.xml><?xml version="1.0" encoding="utf-8"?>
 <p:sld xmlns:a="http://schemas.openxmlformats.org/drawingml/2006/main" xmlns:r="http://schemas.openxmlformats.org/officeDocument/2006/relationships" xmlns:p="http://schemas.openxmlformats.org/presentationml/2006/main">
   <p:cSld>
     <p:spTree>
@@ -5299,13 +5168,22 @@
   <p:clrMapOvr>
     <a:masterClrMapping/>
   </p:clrMapOvr>
-  <p:transition spd="slow" advClick="0" advTm="20000">
-    <p:fade/>
-  </p:transition>
+  <mc:AlternateContent xmlns:mc="http://schemas.openxmlformats.org/markup-compatibility/2006">
+    <mc:Choice xmlns:p14="http://schemas.microsoft.com/office/powerpoint/2010/main" Requires="p14">
+      <p:transition p14:dur="10" advClick="0">
+        <p:fade/>
+      </p:transition>
+    </mc:Choice>
+    <mc:Fallback>
+      <p:transition advClick="0">
+        <p:fade/>
+      </p:transition>
+    </mc:Fallback>
+  </mc:AlternateContent>
 </p:sld>
 </file>
 
-<file path=ppt/slides/slide14.xml><?xml version="1.0" encoding="utf-8"?>
+<file path=ppt/slides/slide12.xml><?xml version="1.0" encoding="utf-8"?>
 <p:sld xmlns:a="http://schemas.openxmlformats.org/drawingml/2006/main" xmlns:r="http://schemas.openxmlformats.org/officeDocument/2006/relationships" xmlns:p="http://schemas.openxmlformats.org/presentationml/2006/main">
   <p:cSld>
     <p:spTree>
@@ -5429,15 +5307,7 @@
             </a:pPr>
             <a:r>
               <a:rPr lang="en-US" dirty="0"/>
-              <a:t>We may </a:t>
-            </a:r>
-            <a:r>
-              <a:rPr lang="en-US"/>
-              <a:t>want to think </a:t>
-            </a:r>
-            <a:r>
-              <a:rPr lang="en-US" dirty="0"/>
-              <a:t>twice before complaining about zoom calls.</a:t>
+              <a:t>We may want to think twice before complaining about zoom calls.</a:t>
             </a:r>
           </a:p>
           <a:p>
@@ -5506,13 +5376,22 @@
   <p:clrMapOvr>
     <a:masterClrMapping/>
   </p:clrMapOvr>
-  <p:transition spd="slow" advClick="0" advTm="20000">
-    <p:fade/>
-  </p:transition>
+  <mc:AlternateContent xmlns:mc="http://schemas.openxmlformats.org/markup-compatibility/2006">
+    <mc:Choice xmlns:p14="http://schemas.microsoft.com/office/powerpoint/2010/main" Requires="p14">
+      <p:transition p14:dur="10" advClick="0">
+        <p:fade/>
+      </p:transition>
+    </mc:Choice>
+    <mc:Fallback>
+      <p:transition advClick="0">
+        <p:fade/>
+      </p:transition>
+    </mc:Fallback>
+  </mc:AlternateContent>
 </p:sld>
 </file>
 
-<file path=ppt/slides/slide15.xml><?xml version="1.0" encoding="utf-8"?>
+<file path=ppt/slides/slide13.xml><?xml version="1.0" encoding="utf-8"?>
 <p:sld xmlns:a="http://schemas.openxmlformats.org/drawingml/2006/main" xmlns:r="http://schemas.openxmlformats.org/officeDocument/2006/relationships" xmlns:p="http://schemas.openxmlformats.org/presentationml/2006/main">
   <p:cSld>
     <p:spTree>
@@ -5599,9 +5478,18 @@
   <p:clrMapOvr>
     <a:masterClrMapping/>
   </p:clrMapOvr>
-  <p:transition spd="slow" advClick="0" advTm="20000">
-    <p:fade/>
-  </p:transition>
+  <mc:AlternateContent xmlns:mc="http://schemas.openxmlformats.org/markup-compatibility/2006">
+    <mc:Choice xmlns:p14="http://schemas.microsoft.com/office/powerpoint/2010/main" Requires="p14">
+      <p:transition p14:dur="10" advClick="0">
+        <p:fade/>
+      </p:transition>
+    </mc:Choice>
+    <mc:Fallback>
+      <p:transition advClick="0">
+        <p:fade/>
+      </p:transition>
+    </mc:Fallback>
+  </mc:AlternateContent>
 </p:sld>
 </file>
 
@@ -5996,9 +5884,18 @@
   <p:clrMapOvr>
     <a:masterClrMapping/>
   </p:clrMapOvr>
-  <p:transition spd="slow" advClick="0" advTm="20000">
-    <p:fade/>
-  </p:transition>
+  <mc:AlternateContent xmlns:mc="http://schemas.openxmlformats.org/markup-compatibility/2006">
+    <mc:Choice xmlns:p14="http://schemas.microsoft.com/office/powerpoint/2010/main" Requires="p14">
+      <p:transition p14:dur="10" advClick="0">
+        <p:fade/>
+      </p:transition>
+    </mc:Choice>
+    <mc:Fallback>
+      <p:transition advClick="0">
+        <p:fade/>
+      </p:transition>
+    </mc:Fallback>
+  </mc:AlternateContent>
 </p:sld>
 </file>
 
@@ -6169,9 +6066,18 @@
   <p:clrMapOvr>
     <a:masterClrMapping/>
   </p:clrMapOvr>
-  <p:transition spd="slow" advClick="0" advTm="20000">
-    <p:fade/>
-  </p:transition>
+  <mc:AlternateContent xmlns:mc="http://schemas.openxmlformats.org/markup-compatibility/2006">
+    <mc:Choice xmlns:p14="http://schemas.microsoft.com/office/powerpoint/2010/main" Requires="p14">
+      <p:transition p14:dur="10" advClick="0">
+        <p:fade/>
+      </p:transition>
+    </mc:Choice>
+    <mc:Fallback>
+      <p:transition advClick="0">
+        <p:fade/>
+      </p:transition>
+    </mc:Fallback>
+  </mc:AlternateContent>
 </p:sld>
 </file>
 
@@ -6562,155 +6468,22 @@
   <p:clrMapOvr>
     <a:masterClrMapping/>
   </p:clrMapOvr>
-  <p:transition spd="slow" advClick="0" advTm="20000">
-    <p:fade/>
-  </p:transition>
+  <mc:AlternateContent xmlns:mc="http://schemas.openxmlformats.org/markup-compatibility/2006">
+    <mc:Choice xmlns:p14="http://schemas.microsoft.com/office/powerpoint/2010/main" Requires="p14">
+      <p:transition p14:dur="10" advClick="0">
+        <p:fade/>
+      </p:transition>
+    </mc:Choice>
+    <mc:Fallback>
+      <p:transition advClick="0">
+        <p:fade/>
+      </p:transition>
+    </mc:Fallback>
+  </mc:AlternateContent>
 </p:sld>
 </file>
 
 <file path=ppt/slides/slide5.xml><?xml version="1.0" encoding="utf-8"?>
-<p:sld xmlns:a="http://schemas.openxmlformats.org/drawingml/2006/main" xmlns:r="http://schemas.openxmlformats.org/officeDocument/2006/relationships" xmlns:p="http://schemas.openxmlformats.org/presentationml/2006/main">
-  <p:cSld>
-    <p:spTree>
-      <p:nvGrpSpPr>
-        <p:cNvPr id="1" name=""/>
-        <p:cNvGrpSpPr/>
-        <p:nvPr/>
-      </p:nvGrpSpPr>
-      <p:grpSpPr>
-        <a:xfrm>
-          <a:off x="0" y="0"/>
-          <a:ext cx="0" cy="0"/>
-          <a:chOff x="0" y="0"/>
-          <a:chExt cx="0" cy="0"/>
-        </a:xfrm>
-      </p:grpSpPr>
-      <p:sp>
-        <p:nvSpPr>
-          <p:cNvPr id="2" name="Content Placeholder 1">
-            <a:extLst>
-              <a:ext uri="{FF2B5EF4-FFF2-40B4-BE49-F238E27FC236}">
-                <a16:creationId xmlns:a16="http://schemas.microsoft.com/office/drawing/2014/main" id="{6996B9A5-576E-4516-B24C-C13634EEC931}"/>
-              </a:ext>
-            </a:extLst>
-          </p:cNvPr>
-          <p:cNvSpPr>
-            <a:spLocks noGrp="1"/>
-          </p:cNvSpPr>
-          <p:nvPr>
-            <p:ph idx="15"/>
-          </p:nvPr>
-        </p:nvSpPr>
-        <p:spPr/>
-        <p:txBody>
-          <a:bodyPr/>
-          <a:lstStyle/>
-          <a:p>
-            <a:endParaRPr lang="en-US"/>
-          </a:p>
-        </p:txBody>
-      </p:sp>
-      <p:sp>
-        <p:nvSpPr>
-          <p:cNvPr id="3" name="Content Placeholder 2">
-            <a:extLst>
-              <a:ext uri="{FF2B5EF4-FFF2-40B4-BE49-F238E27FC236}">
-                <a16:creationId xmlns:a16="http://schemas.microsoft.com/office/drawing/2014/main" id="{A8ED507B-F992-4329-8376-DA02D9644E6A}"/>
-              </a:ext>
-            </a:extLst>
-          </p:cNvPr>
-          <p:cNvSpPr>
-            <a:spLocks noGrp="1"/>
-          </p:cNvSpPr>
-          <p:nvPr>
-            <p:ph idx="16"/>
-          </p:nvPr>
-        </p:nvSpPr>
-        <p:spPr/>
-        <p:txBody>
-          <a:bodyPr/>
-          <a:lstStyle/>
-          <a:p>
-            <a:endParaRPr lang="en-US"/>
-          </a:p>
-        </p:txBody>
-      </p:sp>
-      <p:pic>
-        <p:nvPicPr>
-          <p:cNvPr id="7" name="Content Placeholder 6" descr="Chart, line chart&#10;&#10;Description automatically generated">
-            <a:extLst>
-              <a:ext uri="{FF2B5EF4-FFF2-40B4-BE49-F238E27FC236}">
-                <a16:creationId xmlns:a16="http://schemas.microsoft.com/office/drawing/2014/main" id="{BBB5D393-688E-46E5-9548-EC0D6EF92ADA}"/>
-              </a:ext>
-            </a:extLst>
-          </p:cNvPr>
-          <p:cNvPicPr>
-            <a:picLocks noGrp="1" noChangeAspect="1"/>
-          </p:cNvPicPr>
-          <p:nvPr>
-            <p:ph idx="14"/>
-          </p:nvPr>
-        </p:nvPicPr>
-        <p:blipFill>
-          <a:blip r:embed="rId2"/>
-          <a:stretch>
-            <a:fillRect/>
-          </a:stretch>
-        </p:blipFill>
-        <p:spPr>
-          <a:xfrm>
-            <a:off x="836602" y="1937225"/>
-            <a:ext cx="7470795" cy="4690965"/>
-          </a:xfrm>
-        </p:spPr>
-      </p:pic>
-      <p:sp>
-        <p:nvSpPr>
-          <p:cNvPr id="5" name="Title 4">
-            <a:extLst>
-              <a:ext uri="{FF2B5EF4-FFF2-40B4-BE49-F238E27FC236}">
-                <a16:creationId xmlns:a16="http://schemas.microsoft.com/office/drawing/2014/main" id="{E5E58F65-7D03-45F2-B810-9A9100753870}"/>
-              </a:ext>
-            </a:extLst>
-          </p:cNvPr>
-          <p:cNvSpPr>
-            <a:spLocks noGrp="1"/>
-          </p:cNvSpPr>
-          <p:nvPr>
-            <p:ph type="title"/>
-          </p:nvPr>
-        </p:nvSpPr>
-        <p:spPr/>
-        <p:txBody>
-          <a:bodyPr>
-            <a:noAutofit/>
-          </a:bodyPr>
-          <a:lstStyle/>
-          <a:p>
-            <a:r>
-              <a:rPr lang="en-US" sz="3600" dirty="0"/>
-              <a:t>Transit Demand decrease – US average</a:t>
-            </a:r>
-          </a:p>
-        </p:txBody>
-      </p:sp>
-    </p:spTree>
-    <p:extLst>
-      <p:ext uri="{BB962C8B-B14F-4D97-AF65-F5344CB8AC3E}">
-        <p14:creationId xmlns:p14="http://schemas.microsoft.com/office/powerpoint/2010/main" val="19142204"/>
-      </p:ext>
-    </p:extLst>
-  </p:cSld>
-  <p:clrMapOvr>
-    <a:masterClrMapping/>
-  </p:clrMapOvr>
-  <p:transition spd="slow" advClick="0" advTm="20000">
-    <p:fade/>
-  </p:transition>
-</p:sld>
-</file>
-
-<file path=ppt/slides/slide6.xml><?xml version="1.0" encoding="utf-8"?>
 <p:sld xmlns:a="http://schemas.openxmlformats.org/drawingml/2006/main" xmlns:r="http://schemas.openxmlformats.org/officeDocument/2006/relationships" xmlns:p="http://schemas.openxmlformats.org/presentationml/2006/main">
   <p:cSld>
     <p:spTree>
@@ -7049,13 +6822,22 @@
   <p:clrMapOvr>
     <a:masterClrMapping/>
   </p:clrMapOvr>
-  <p:transition spd="slow" advClick="0" advTm="20000">
-    <p:fade/>
-  </p:transition>
+  <mc:AlternateContent xmlns:mc="http://schemas.openxmlformats.org/markup-compatibility/2006">
+    <mc:Choice xmlns:p14="http://schemas.microsoft.com/office/powerpoint/2010/main" Requires="p14">
+      <p:transition p14:dur="10" advClick="0">
+        <p:fade/>
+      </p:transition>
+    </mc:Choice>
+    <mc:Fallback>
+      <p:transition advClick="0">
+        <p:fade/>
+      </p:transition>
+    </mc:Fallback>
+  </mc:AlternateContent>
 </p:sld>
 </file>
 
-<file path=ppt/slides/slide7.xml><?xml version="1.0" encoding="utf-8"?>
+<file path=ppt/slides/slide6.xml><?xml version="1.0" encoding="utf-8"?>
 <p:sld xmlns:a="http://schemas.openxmlformats.org/drawingml/2006/main" xmlns:r="http://schemas.openxmlformats.org/officeDocument/2006/relationships" xmlns:p="http://schemas.openxmlformats.org/presentationml/2006/main">
   <p:cSld>
     <p:spTree>
@@ -7249,9 +7031,229 @@
   <p:clrMapOvr>
     <a:masterClrMapping/>
   </p:clrMapOvr>
-  <p:transition spd="slow" advClick="0" advTm="20000">
-    <p:fade/>
-  </p:transition>
+  <mc:AlternateContent xmlns:mc="http://schemas.openxmlformats.org/markup-compatibility/2006">
+    <mc:Choice xmlns:p14="http://schemas.microsoft.com/office/powerpoint/2010/main" Requires="p14">
+      <p:transition p14:dur="10" advClick="0">
+        <p:fade/>
+      </p:transition>
+    </mc:Choice>
+    <mc:Fallback>
+      <p:transition advClick="0">
+        <p:fade/>
+      </p:transition>
+    </mc:Fallback>
+  </mc:AlternateContent>
+</p:sld>
+</file>
+
+<file path=ppt/slides/slide7.xml><?xml version="1.0" encoding="utf-8"?>
+<p:sld xmlns:a="http://schemas.openxmlformats.org/drawingml/2006/main" xmlns:r="http://schemas.openxmlformats.org/officeDocument/2006/relationships" xmlns:p="http://schemas.openxmlformats.org/presentationml/2006/main">
+  <p:cSld>
+    <p:spTree>
+      <p:nvGrpSpPr>
+        <p:cNvPr id="1" name=""/>
+        <p:cNvGrpSpPr/>
+        <p:nvPr/>
+      </p:nvGrpSpPr>
+      <p:grpSpPr>
+        <a:xfrm>
+          <a:off x="0" y="0"/>
+          <a:ext cx="0" cy="0"/>
+          <a:chOff x="0" y="0"/>
+          <a:chExt cx="0" cy="0"/>
+        </a:xfrm>
+      </p:grpSpPr>
+      <p:sp>
+        <p:nvSpPr>
+          <p:cNvPr id="2" name="Content Placeholder 1">
+            <a:extLst>
+              <a:ext uri="{FF2B5EF4-FFF2-40B4-BE49-F238E27FC236}">
+                <a16:creationId xmlns:a16="http://schemas.microsoft.com/office/drawing/2014/main" id="{2124F36A-5A83-44A0-A6BE-E59677EB681F}"/>
+              </a:ext>
+            </a:extLst>
+          </p:cNvPr>
+          <p:cNvSpPr>
+            <a:spLocks noGrp="1"/>
+          </p:cNvSpPr>
+          <p:nvPr>
+            <p:ph idx="15"/>
+          </p:nvPr>
+        </p:nvSpPr>
+        <p:spPr/>
+        <p:txBody>
+          <a:bodyPr/>
+          <a:lstStyle/>
+          <a:p>
+            <a:endParaRPr lang="en-US"/>
+          </a:p>
+        </p:txBody>
+      </p:sp>
+      <p:sp>
+        <p:nvSpPr>
+          <p:cNvPr id="3" name="Content Placeholder 2">
+            <a:extLst>
+              <a:ext uri="{FF2B5EF4-FFF2-40B4-BE49-F238E27FC236}">
+                <a16:creationId xmlns:a16="http://schemas.microsoft.com/office/drawing/2014/main" id="{72CF212E-8304-46D2-B734-291D750C869B}"/>
+              </a:ext>
+            </a:extLst>
+          </p:cNvPr>
+          <p:cNvSpPr>
+            <a:spLocks noGrp="1"/>
+          </p:cNvSpPr>
+          <p:nvPr>
+            <p:ph idx="16"/>
+          </p:nvPr>
+        </p:nvSpPr>
+        <p:spPr/>
+        <p:txBody>
+          <a:bodyPr/>
+          <a:lstStyle/>
+          <a:p>
+            <a:endParaRPr lang="en-US"/>
+          </a:p>
+        </p:txBody>
+      </p:sp>
+      <p:sp>
+        <p:nvSpPr>
+          <p:cNvPr id="5" name="Title 4">
+            <a:extLst>
+              <a:ext uri="{FF2B5EF4-FFF2-40B4-BE49-F238E27FC236}">
+                <a16:creationId xmlns:a16="http://schemas.microsoft.com/office/drawing/2014/main" id="{3378382C-92AA-49C1-9F0B-BC8EDCC43918}"/>
+              </a:ext>
+            </a:extLst>
+          </p:cNvPr>
+          <p:cNvSpPr>
+            <a:spLocks noGrp="1"/>
+          </p:cNvSpPr>
+          <p:nvPr>
+            <p:ph type="title"/>
+          </p:nvPr>
+        </p:nvSpPr>
+        <p:spPr/>
+        <p:txBody>
+          <a:bodyPr>
+            <a:noAutofit/>
+          </a:bodyPr>
+          <a:lstStyle/>
+          <a:p>
+            <a:r>
+              <a:rPr lang="en-US" sz="2800" dirty="0"/>
+              <a:t>Who are still using transit - a regression analysis</a:t>
+            </a:r>
+          </a:p>
+        </p:txBody>
+      </p:sp>
+      <p:sp>
+        <p:nvSpPr>
+          <p:cNvPr id="11" name="Content Placeholder 10">
+            <a:extLst>
+              <a:ext uri="{FF2B5EF4-FFF2-40B4-BE49-F238E27FC236}">
+                <a16:creationId xmlns:a16="http://schemas.microsoft.com/office/drawing/2014/main" id="{41ABB253-99AF-4344-8D98-9306E10789AC}"/>
+              </a:ext>
+            </a:extLst>
+          </p:cNvPr>
+          <p:cNvSpPr>
+            <a:spLocks noGrp="1"/>
+          </p:cNvSpPr>
+          <p:nvPr>
+            <p:ph idx="14"/>
+          </p:nvPr>
+        </p:nvSpPr>
+        <p:spPr/>
+        <p:txBody>
+          <a:bodyPr/>
+          <a:lstStyle/>
+          <a:p>
+            <a:r>
+              <a:rPr lang="en-US" dirty="0"/>
+              <a:t>Four significant factors contribute to the </a:t>
+            </a:r>
+            <a:r>
+              <a:rPr lang="en-US" dirty="0">
+                <a:solidFill>
+                  <a:srgbClr val="C00000"/>
+                </a:solidFill>
+              </a:rPr>
+              <a:t>base value </a:t>
+            </a:r>
+            <a:r>
+              <a:rPr lang="en-US" dirty="0"/>
+              <a:t>– how many people were using transit during the lockdown in a city.</a:t>
+            </a:r>
+          </a:p>
+          <a:p>
+            <a:endParaRPr lang="en-US" dirty="0"/>
+          </a:p>
+          <a:p>
+            <a:r>
+              <a:rPr lang="en-US" dirty="0"/>
+              <a:t>From most significant factors to less ones:</a:t>
+            </a:r>
+          </a:p>
+          <a:p>
+            <a:pPr marL="457200" indent="-457200">
+              <a:buFont typeface="Arial" panose="020B0604020202020204" pitchFamily="34" charset="0"/>
+              <a:buChar char="•"/>
+            </a:pPr>
+            <a:r>
+              <a:rPr lang="en-US" dirty="0"/>
+              <a:t>African-American and women;</a:t>
+            </a:r>
+          </a:p>
+          <a:p>
+            <a:pPr marL="457200" indent="-457200">
+              <a:buFont typeface="Arial" panose="020B0604020202020204" pitchFamily="34" charset="0"/>
+              <a:buChar char="•"/>
+            </a:pPr>
+            <a:r>
+              <a:rPr lang="en-US" dirty="0"/>
+              <a:t>Occupation (non-physical jobs) and Hispanic;</a:t>
+            </a:r>
+          </a:p>
+          <a:p>
+            <a:pPr marL="457200" indent="-457200">
+              <a:buFont typeface="Arial" panose="020B0604020202020204" pitchFamily="34" charset="0"/>
+              <a:buChar char="•"/>
+            </a:pPr>
+            <a:r>
+              <a:rPr lang="en-US" dirty="0"/>
+              <a:t>Age (&gt;45 y/o)</a:t>
+            </a:r>
+          </a:p>
+          <a:p>
+            <a:pPr marL="457200" indent="-457200">
+              <a:buFont typeface="Arial" panose="020B0604020202020204" pitchFamily="34" charset="0"/>
+              <a:buChar char="•"/>
+            </a:pPr>
+            <a:r>
+              <a:rPr lang="en-US" dirty="0"/>
+              <a:t>Awareness of the pandemic (Google search index)</a:t>
+            </a:r>
+          </a:p>
+        </p:txBody>
+      </p:sp>
+    </p:spTree>
+    <p:extLst>
+      <p:ext uri="{BB962C8B-B14F-4D97-AF65-F5344CB8AC3E}">
+        <p14:creationId xmlns:p14="http://schemas.microsoft.com/office/powerpoint/2010/main" val="2713093659"/>
+      </p:ext>
+    </p:extLst>
+  </p:cSld>
+  <p:clrMapOvr>
+    <a:masterClrMapping/>
+  </p:clrMapOvr>
+  <mc:AlternateContent xmlns:mc="http://schemas.openxmlformats.org/markup-compatibility/2006">
+    <mc:Choice xmlns:p14="http://schemas.microsoft.com/office/powerpoint/2010/main" Requires="p14">
+      <p:transition p14:dur="10" advClick="0">
+        <p:fade/>
+      </p:transition>
+    </mc:Choice>
+    <mc:Fallback>
+      <p:transition advClick="0">
+        <p:fade/>
+      </p:transition>
+    </mc:Fallback>
+  </mc:AlternateContent>
 </p:sld>
 </file>
 
@@ -7272,66 +7274,232 @@
           <a:chExt cx="0" cy="0"/>
         </a:xfrm>
       </p:grpSpPr>
-      <p:pic>
-        <p:nvPicPr>
-          <p:cNvPr id="7172" name="Picture 4" descr="US Presidential Election 2020 by state: Biden vs Trump results map | Biden  wins presidency - AS.com">
+      <p:sp>
+        <p:nvSpPr>
+          <p:cNvPr id="2" name="Content Placeholder 1">
             <a:extLst>
               <a:ext uri="{FF2B5EF4-FFF2-40B4-BE49-F238E27FC236}">
-                <a16:creationId xmlns:a16="http://schemas.microsoft.com/office/drawing/2014/main" id="{59938616-9AAD-416D-B328-E25177A78449}"/>
+                <a16:creationId xmlns:a16="http://schemas.microsoft.com/office/drawing/2014/main" id="{7463A9E8-A66F-4C70-A2CA-6B81922A12C7}"/>
               </a:ext>
             </a:extLst>
           </p:cNvPr>
-          <p:cNvPicPr>
-            <a:picLocks noChangeAspect="1" noChangeArrowheads="1"/>
-          </p:cNvPicPr>
-          <p:nvPr/>
-        </p:nvPicPr>
-        <p:blipFill>
-          <a:blip r:embed="rId2">
+          <p:cNvSpPr>
+            <a:spLocks noGrp="1"/>
+          </p:cNvSpPr>
+          <p:nvPr>
+            <p:ph idx="15"/>
+          </p:nvPr>
+        </p:nvSpPr>
+        <p:spPr/>
+        <p:txBody>
+          <a:bodyPr/>
+          <a:lstStyle/>
+          <a:p>
+            <a:endParaRPr lang="en-US"/>
+          </a:p>
+        </p:txBody>
+      </p:sp>
+      <p:sp>
+        <p:nvSpPr>
+          <p:cNvPr id="3" name="Content Placeholder 2">
             <a:extLst>
-              <a:ext uri="{28A0092B-C50C-407E-A947-70E740481C1C}">
-                <a14:useLocalDpi xmlns:a14="http://schemas.microsoft.com/office/drawing/2010/main" val="0"/>
+              <a:ext uri="{FF2B5EF4-FFF2-40B4-BE49-F238E27FC236}">
+                <a16:creationId xmlns:a16="http://schemas.microsoft.com/office/drawing/2014/main" id="{7A007C9B-1660-44BF-9254-ADBA18DF7AAA}"/>
               </a:ext>
             </a:extLst>
-          </a:blip>
-          <a:srcRect/>
-          <a:stretch>
-            <a:fillRect/>
-          </a:stretch>
-        </p:blipFill>
-        <p:spPr bwMode="auto">
-          <a:xfrm>
-            <a:off x="76200" y="245367"/>
-            <a:ext cx="8399095" cy="6367265"/>
-          </a:xfrm>
-          <a:prstGeom prst="rect">
-            <a:avLst/>
-          </a:prstGeom>
-          <a:noFill/>
-          <a:extLst>
-            <a:ext uri="{909E8E84-426E-40DD-AFC4-6F175D3DCCD1}">
-              <a14:hiddenFill xmlns:a14="http://schemas.microsoft.com/office/drawing/2010/main">
-                <a:solidFill>
-                  <a:srgbClr val="FFFFFF"/>
-                </a:solidFill>
-              </a14:hiddenFill>
-            </a:ext>
-          </a:extLst>
-        </p:spPr>
-      </p:pic>
+          </p:cNvPr>
+          <p:cNvSpPr>
+            <a:spLocks noGrp="1"/>
+          </p:cNvSpPr>
+          <p:nvPr>
+            <p:ph idx="16"/>
+          </p:nvPr>
+        </p:nvSpPr>
+        <p:spPr/>
+        <p:txBody>
+          <a:bodyPr/>
+          <a:lstStyle/>
+          <a:p>
+            <a:endParaRPr lang="en-US" dirty="0"/>
+          </a:p>
+        </p:txBody>
+      </p:sp>
+      <p:sp>
+        <p:nvSpPr>
+          <p:cNvPr id="4" name="Content Placeholder 3">
+            <a:extLst>
+              <a:ext uri="{FF2B5EF4-FFF2-40B4-BE49-F238E27FC236}">
+                <a16:creationId xmlns:a16="http://schemas.microsoft.com/office/drawing/2014/main" id="{D39CEFBA-27E1-44BD-9B37-1AB0EC27B436}"/>
+              </a:ext>
+            </a:extLst>
+          </p:cNvPr>
+          <p:cNvSpPr>
+            <a:spLocks noGrp="1"/>
+          </p:cNvSpPr>
+          <p:nvPr>
+            <p:ph idx="14"/>
+          </p:nvPr>
+        </p:nvSpPr>
+        <p:spPr/>
+        <p:txBody>
+          <a:bodyPr/>
+          <a:lstStyle/>
+          <a:p>
+            <a:r>
+              <a:rPr lang="en-US" dirty="0"/>
+              <a:t>If a city has </a:t>
+            </a:r>
+            <a:r>
+              <a:rPr lang="en-US" dirty="0">
+                <a:solidFill>
+                  <a:srgbClr val="C00000"/>
+                </a:solidFill>
+              </a:rPr>
+              <a:t>higher</a:t>
+            </a:r>
+            <a:r>
+              <a:rPr lang="en-US" dirty="0"/>
+              <a:t> ratio of African-American people and women, </a:t>
+            </a:r>
+            <a:r>
+              <a:rPr lang="en-US" dirty="0">
+                <a:solidFill>
+                  <a:srgbClr val="C00000"/>
+                </a:solidFill>
+              </a:rPr>
+              <a:t>more</a:t>
+            </a:r>
+            <a:r>
+              <a:rPr lang="en-US" dirty="0"/>
+              <a:t> people will use transit during the lockdown.</a:t>
+            </a:r>
+          </a:p>
+          <a:p>
+            <a:endParaRPr lang="en-US" dirty="0"/>
+          </a:p>
+          <a:p>
+            <a:r>
+              <a:rPr lang="en-US" b="1" dirty="0"/>
+              <a:t>Survey shows:</a:t>
+            </a:r>
+          </a:p>
+          <a:p>
+            <a:r>
+              <a:rPr lang="en-US" dirty="0"/>
+              <a:t>African-American: </a:t>
+            </a:r>
+            <a:r>
+              <a:rPr lang="en-US" dirty="0">
+                <a:solidFill>
+                  <a:srgbClr val="C00000"/>
+                </a:solidFill>
+              </a:rPr>
+              <a:t>24% =&gt; 37%</a:t>
+            </a:r>
+          </a:p>
+          <a:p>
+            <a:r>
+              <a:rPr lang="en-US" dirty="0"/>
+              <a:t>Caucasian: </a:t>
+            </a:r>
+            <a:r>
+              <a:rPr lang="en-US" dirty="0">
+                <a:solidFill>
+                  <a:srgbClr val="C00000"/>
+                </a:solidFill>
+              </a:rPr>
+              <a:t>41% =&gt; 23%</a:t>
+            </a:r>
+          </a:p>
+          <a:p>
+            <a:r>
+              <a:rPr lang="en-US" dirty="0"/>
+              <a:t>Gender ratio: </a:t>
+            </a:r>
+            <a:r>
+              <a:rPr lang="en-US" dirty="0">
+                <a:solidFill>
+                  <a:srgbClr val="C00000"/>
+                </a:solidFill>
+              </a:rPr>
+              <a:t>50 (F) / 50 (M) =&gt; 56 (F) / 40 (M)</a:t>
+            </a:r>
+          </a:p>
+          <a:p>
+            <a:endParaRPr lang="en-US" dirty="0"/>
+          </a:p>
+          <a:p>
+            <a:r>
+              <a:rPr lang="en-US" dirty="0"/>
+              <a:t>In some cities like Philadelphia, more than </a:t>
+            </a:r>
+            <a:r>
+              <a:rPr lang="en-US" dirty="0">
+                <a:solidFill>
+                  <a:srgbClr val="C00000"/>
+                </a:solidFill>
+              </a:rPr>
+              <a:t>68%</a:t>
+            </a:r>
+            <a:r>
+              <a:rPr lang="en-US" dirty="0"/>
+              <a:t> of riders are women.</a:t>
+            </a:r>
+          </a:p>
+        </p:txBody>
+      </p:sp>
+      <p:sp>
+        <p:nvSpPr>
+          <p:cNvPr id="5" name="Title 4">
+            <a:extLst>
+              <a:ext uri="{FF2B5EF4-FFF2-40B4-BE49-F238E27FC236}">
+                <a16:creationId xmlns:a16="http://schemas.microsoft.com/office/drawing/2014/main" id="{7C9942E4-A50A-49C7-A40D-FE43005F3873}"/>
+              </a:ext>
+            </a:extLst>
+          </p:cNvPr>
+          <p:cNvSpPr>
+            <a:spLocks noGrp="1"/>
+          </p:cNvSpPr>
+          <p:nvPr>
+            <p:ph type="title"/>
+          </p:nvPr>
+        </p:nvSpPr>
+        <p:spPr/>
+        <p:txBody>
+          <a:bodyPr>
+            <a:noAutofit/>
+          </a:bodyPr>
+          <a:lstStyle/>
+          <a:p>
+            <a:r>
+              <a:rPr lang="en-US" sz="2800" dirty="0"/>
+              <a:t>Who is using transit – African-American and women</a:t>
+            </a:r>
+          </a:p>
+        </p:txBody>
+      </p:sp>
     </p:spTree>
     <p:extLst>
       <p:ext uri="{BB962C8B-B14F-4D97-AF65-F5344CB8AC3E}">
-        <p14:creationId xmlns:p14="http://schemas.microsoft.com/office/powerpoint/2010/main" val="2642470416"/>
+        <p14:creationId xmlns:p14="http://schemas.microsoft.com/office/powerpoint/2010/main" val="327055955"/>
       </p:ext>
     </p:extLst>
   </p:cSld>
   <p:clrMapOvr>
     <a:masterClrMapping/>
   </p:clrMapOvr>
-  <p:transition spd="slow" advClick="0" advTm="20000">
-    <p:fade/>
-  </p:transition>
+  <mc:AlternateContent xmlns:mc="http://schemas.openxmlformats.org/markup-compatibility/2006">
+    <mc:Choice xmlns:p14="http://schemas.microsoft.com/office/powerpoint/2010/main" Requires="p14">
+      <p:transition p14:dur="10" advClick="0">
+        <p:fade/>
+      </p:transition>
+    </mc:Choice>
+    <mc:Fallback>
+      <p:transition advClick="0">
+        <p:fade/>
+      </p:transition>
+    </mc:Fallback>
+  </mc:AlternateContent>
 </p:sld>
 </file>
 
@@ -7357,7 +7525,7 @@
           <p:cNvPr id="2" name="Content Placeholder 1">
             <a:extLst>
               <a:ext uri="{FF2B5EF4-FFF2-40B4-BE49-F238E27FC236}">
-                <a16:creationId xmlns:a16="http://schemas.microsoft.com/office/drawing/2014/main" id="{2124F36A-5A83-44A0-A6BE-E59677EB681F}"/>
+                <a16:creationId xmlns:a16="http://schemas.microsoft.com/office/drawing/2014/main" id="{DFF82C1E-3F86-4722-82DB-C28EA1648010}"/>
               </a:ext>
             </a:extLst>
           </p:cNvPr>
@@ -7382,7 +7550,7 @@
           <p:cNvPr id="3" name="Content Placeholder 2">
             <a:extLst>
               <a:ext uri="{FF2B5EF4-FFF2-40B4-BE49-F238E27FC236}">
-                <a16:creationId xmlns:a16="http://schemas.microsoft.com/office/drawing/2014/main" id="{72CF212E-8304-46D2-B734-291D750C869B}"/>
+                <a16:creationId xmlns:a16="http://schemas.microsoft.com/office/drawing/2014/main" id="{C0A3A575-2DE1-45F4-A6C9-6AA529F9BDB5}"/>
               </a:ext>
             </a:extLst>
           </p:cNvPr>
@@ -7404,10 +7572,105 @@
       </p:sp>
       <p:sp>
         <p:nvSpPr>
+          <p:cNvPr id="4" name="Content Placeholder 3">
+            <a:extLst>
+              <a:ext uri="{FF2B5EF4-FFF2-40B4-BE49-F238E27FC236}">
+                <a16:creationId xmlns:a16="http://schemas.microsoft.com/office/drawing/2014/main" id="{E83D56F8-ABD4-4353-8A75-5FABFCC6D8C5}"/>
+              </a:ext>
+            </a:extLst>
+          </p:cNvPr>
+          <p:cNvSpPr>
+            <a:spLocks noGrp="1"/>
+          </p:cNvSpPr>
+          <p:nvPr>
+            <p:ph idx="14"/>
+          </p:nvPr>
+        </p:nvSpPr>
+        <p:spPr/>
+        <p:txBody>
+          <a:bodyPr/>
+          <a:lstStyle/>
+          <a:p>
+            <a:endParaRPr lang="en-US" sz="2800" dirty="0"/>
+          </a:p>
+          <a:p>
+            <a:pPr marL="457200" indent="-457200">
+              <a:buFont typeface="Arial" panose="020B0604020202020204" pitchFamily="34" charset="0"/>
+              <a:buChar char="•"/>
+            </a:pPr>
+            <a:r>
+              <a:rPr lang="en-US" sz="2800" dirty="0"/>
+              <a:t>More people cannot work remotely (necessary workers)</a:t>
+            </a:r>
+          </a:p>
+          <a:p>
+            <a:pPr marL="457200" indent="-457200">
+              <a:buFont typeface="Arial" panose="020B0604020202020204" pitchFamily="34" charset="0"/>
+              <a:buChar char="•"/>
+            </a:pPr>
+            <a:endParaRPr lang="en-US" sz="2800" dirty="0"/>
+          </a:p>
+          <a:p>
+            <a:pPr marL="457200" indent="-457200">
+              <a:buFont typeface="Arial" panose="020B0604020202020204" pitchFamily="34" charset="0"/>
+              <a:buChar char="•"/>
+            </a:pPr>
+            <a:r>
+              <a:rPr lang="en-US" sz="2800" dirty="0"/>
+              <a:t>More Hispanic people</a:t>
+            </a:r>
+          </a:p>
+          <a:p>
+            <a:pPr marL="457200" indent="-457200">
+              <a:buFont typeface="Arial" panose="020B0604020202020204" pitchFamily="34" charset="0"/>
+              <a:buChar char="•"/>
+            </a:pPr>
+            <a:endParaRPr lang="en-US" sz="2800" dirty="0"/>
+          </a:p>
+          <a:p>
+            <a:pPr marL="457200" indent="-457200">
+              <a:buFont typeface="Arial" panose="020B0604020202020204" pitchFamily="34" charset="0"/>
+              <a:buChar char="•"/>
+            </a:pPr>
+            <a:r>
+              <a:rPr lang="en-US" sz="2800" dirty="0"/>
+              <a:t>More senior people over 45 years old</a:t>
+            </a:r>
+          </a:p>
+          <a:p>
+            <a:endParaRPr lang="en-US" sz="2800" dirty="0"/>
+          </a:p>
+          <a:p>
+            <a:r>
+              <a:rPr lang="en-US" sz="2800" dirty="0"/>
+              <a:t>Are correlated with </a:t>
+            </a:r>
+            <a:r>
+              <a:rPr lang="en-US" sz="2800"/>
+              <a:t>more transit usage.</a:t>
+            </a:r>
+            <a:endParaRPr lang="en-US" sz="2800" dirty="0"/>
+          </a:p>
+          <a:p>
+            <a:endParaRPr lang="en-US" sz="2800" dirty="0"/>
+          </a:p>
+          <a:p>
+            <a:endParaRPr lang="en-US" sz="2800" dirty="0"/>
+          </a:p>
+          <a:p>
+            <a:endParaRPr lang="en-US" sz="2800" dirty="0"/>
+          </a:p>
+          <a:p>
+            <a:endParaRPr lang="en-US" sz="2800" dirty="0"/>
+          </a:p>
+        </p:txBody>
+      </p:sp>
+      <p:sp>
+        <p:nvSpPr>
           <p:cNvPr id="5" name="Title 4">
             <a:extLst>
               <a:ext uri="{FF2B5EF4-FFF2-40B4-BE49-F238E27FC236}">
-                <a16:creationId xmlns:a16="http://schemas.microsoft.com/office/drawing/2014/main" id="{3378382C-92AA-49C1-9F0B-BC8EDCC43918}"/>
+                <a16:creationId xmlns:a16="http://schemas.microsoft.com/office/drawing/2014/main" id="{B75A5F5D-EA01-4E97-985F-B68DECD043A1}"/>
               </a:ext>
             </a:extLst>
           </p:cNvPr>
@@ -7426,97 +7689,8 @@
           <a:lstStyle/>
           <a:p>
             <a:r>
-              <a:rPr lang="en-US" sz="2800" dirty="0"/>
-              <a:t>Who are still using transit - a regression analysis</a:t>
-            </a:r>
-          </a:p>
-        </p:txBody>
-      </p:sp>
-      <p:sp>
-        <p:nvSpPr>
-          <p:cNvPr id="11" name="Content Placeholder 10">
-            <a:extLst>
-              <a:ext uri="{FF2B5EF4-FFF2-40B4-BE49-F238E27FC236}">
-                <a16:creationId xmlns:a16="http://schemas.microsoft.com/office/drawing/2014/main" id="{41ABB253-99AF-4344-8D98-9306E10789AC}"/>
-              </a:ext>
-            </a:extLst>
-          </p:cNvPr>
-          <p:cNvSpPr>
-            <a:spLocks noGrp="1"/>
-          </p:cNvSpPr>
-          <p:nvPr>
-            <p:ph idx="14"/>
-          </p:nvPr>
-        </p:nvSpPr>
-        <p:spPr/>
-        <p:txBody>
-          <a:bodyPr/>
-          <a:lstStyle/>
-          <a:p>
-            <a:r>
-              <a:rPr lang="en-US" dirty="0"/>
-              <a:t>Four significant factors contribute to the </a:t>
-            </a:r>
-            <a:r>
-              <a:rPr lang="en-US" dirty="0">
-                <a:solidFill>
-                  <a:srgbClr val="C00000"/>
-                </a:solidFill>
-              </a:rPr>
-              <a:t>base value </a:t>
-            </a:r>
-            <a:r>
-              <a:rPr lang="en-US" dirty="0"/>
-              <a:t>– how many people were using transit during the lockdown in a city.</a:t>
-            </a:r>
-          </a:p>
-          <a:p>
-            <a:endParaRPr lang="en-US" dirty="0"/>
-          </a:p>
-          <a:p>
-            <a:r>
-              <a:rPr lang="en-US" dirty="0"/>
-              <a:t>From most significant factors to less ones:</a:t>
-            </a:r>
-          </a:p>
-          <a:p>
-            <a:pPr marL="457200" indent="-457200">
-              <a:buFont typeface="Arial" panose="020B0604020202020204" pitchFamily="34" charset="0"/>
-              <a:buChar char="•"/>
-            </a:pPr>
-            <a:r>
-              <a:rPr lang="en-US" dirty="0"/>
-              <a:t>African-American and women;</a:t>
-            </a:r>
-          </a:p>
-          <a:p>
-            <a:pPr marL="457200" indent="-457200">
-              <a:buFont typeface="Arial" panose="020B0604020202020204" pitchFamily="34" charset="0"/>
-              <a:buChar char="•"/>
-            </a:pPr>
-            <a:r>
-              <a:rPr lang="en-US" dirty="0"/>
-              <a:t>Occupation (non-physical jobs) and Hispanic;</a:t>
-            </a:r>
-          </a:p>
-          <a:p>
-            <a:pPr marL="457200" indent="-457200">
-              <a:buFont typeface="Arial" panose="020B0604020202020204" pitchFamily="34" charset="0"/>
-              <a:buChar char="•"/>
-            </a:pPr>
-            <a:r>
-              <a:rPr lang="en-US" dirty="0"/>
-              <a:t>Age (&gt;45 y/o)</a:t>
-            </a:r>
-          </a:p>
-          <a:p>
-            <a:pPr marL="457200" indent="-457200">
-              <a:buFont typeface="Arial" panose="020B0604020202020204" pitchFamily="34" charset="0"/>
-              <a:buChar char="•"/>
-            </a:pPr>
-            <a:r>
-              <a:rPr lang="en-US" dirty="0"/>
-              <a:t>Awareness of the pandemic (Google search index)</a:t>
+              <a:rPr lang="en-US" sz="3200" dirty="0"/>
+              <a:t>Who is using transit</a:t>
             </a:r>
           </a:p>
         </p:txBody>
@@ -7524,16 +7698,25 @@
     </p:spTree>
     <p:extLst>
       <p:ext uri="{BB962C8B-B14F-4D97-AF65-F5344CB8AC3E}">
-        <p14:creationId xmlns:p14="http://schemas.microsoft.com/office/powerpoint/2010/main" val="2713093659"/>
+        <p14:creationId xmlns:p14="http://schemas.microsoft.com/office/powerpoint/2010/main" val="1807125790"/>
       </p:ext>
     </p:extLst>
   </p:cSld>
   <p:clrMapOvr>
     <a:masterClrMapping/>
   </p:clrMapOvr>
-  <p:transition spd="slow" advClick="0" advTm="20000">
-    <p:fade/>
-  </p:transition>
+  <mc:AlternateContent xmlns:mc="http://schemas.openxmlformats.org/markup-compatibility/2006">
+    <mc:Choice xmlns:p14="http://schemas.microsoft.com/office/powerpoint/2010/main" Requires="p14">
+      <p:transition p14:dur="10" advClick="0">
+        <p:fade/>
+      </p:transition>
+    </mc:Choice>
+    <mc:Fallback>
+      <p:transition advClick="0">
+        <p:fade/>
+      </p:transition>
+    </mc:Fallback>
+  </mc:AlternateContent>
 </p:sld>
 </file>
 

--- a/doc/lightning_talk.pptx
+++ b/doc/lightning_talk.pptx
@@ -249,7 +249,7 @@
           </a:lstStyle>
           <a:p>
             <a:fld id="{9A5B6E0F-1DB3-5A43-B8F9-5E1E696749DF}" type="datetimeFigureOut">
-              <a:t>11/10/2020</a:t>
+              <a:t>11/17/2020</a:t>
             </a:fld>
             <a:endParaRPr lang="en-US" dirty="0"/>
           </a:p>
@@ -412,7 +412,7 @@
           </a:lstStyle>
           <a:p>
             <a:fld id="{C61BC211-ACBD-CB48-B939-364088D2CD6D}" type="datetimeFigureOut">
-              <a:t>11/10/2020</a:t>
+              <a:t>11/17/2020</a:t>
             </a:fld>
             <a:endParaRPr lang="en-US" dirty="0"/>
           </a:p>
@@ -739,14 +739,6 @@
               <a:tabLst/>
               <a:defRPr/>
             </a:pPr>
-            <a:r>
-              <a:rPr lang="en-US" dirty="0"/>
-              <a:t>Hello everyone, my</a:t>
-            </a:r>
-            <a:r>
-              <a:rPr lang="en-US" baseline="0" dirty="0"/>
-              <a:t> name is Luyu Liu. Today I would like to see the measure the real-time information’s impact on public transit user’s waiting time using high-resolution real-time data</a:t>
-            </a:r>
             <a:endParaRPr lang="en-US" dirty="0"/>
           </a:p>
         </p:txBody>
@@ -831,29 +823,6 @@
           <a:bodyPr/>
           <a:lstStyle/>
           <a:p>
-            <a:pPr marL="0" marR="0" lvl="0" indent="0" algn="l" defTabSz="457200" rtl="0" eaLnBrk="1" fontAlgn="auto" latinLnBrk="0" hangingPunct="1">
-              <a:lnSpc>
-                <a:spcPct val="100000"/>
-              </a:lnSpc>
-              <a:spcBef>
-                <a:spcPts val="0"/>
-              </a:spcBef>
-              <a:spcAft>
-                <a:spcPts val="0"/>
-              </a:spcAft>
-              <a:buClrTx/>
-              <a:buSzTx/>
-              <a:buFontTx/>
-              <a:buNone/>
-              <a:tabLst/>
-              <a:defRPr/>
-            </a:pPr>
-            <a:r>
-              <a:rPr lang="en-US" dirty="0"/>
-              <a:t>You probably didn’t want to use transit back during the lockdown back in April - May.</a:t>
-            </a:r>
-          </a:p>
-          <a:p>
             <a:endParaRPr lang="en-US" dirty="0"/>
           </a:p>
         </p:txBody>
@@ -938,7 +907,39 @@
           <a:bodyPr/>
           <a:lstStyle/>
           <a:p>
-            <a:endParaRPr lang="en-US" dirty="0"/>
+            <a:pPr marL="0" marR="0" lvl="0" indent="0" algn="l" defTabSz="457200" rtl="0" eaLnBrk="1" fontAlgn="auto" latinLnBrk="0" hangingPunct="1">
+              <a:lnSpc>
+                <a:spcPct val="100000"/>
+              </a:lnSpc>
+              <a:spcBef>
+                <a:spcPts val="0"/>
+              </a:spcBef>
+              <a:spcAft>
+                <a:spcPts val="0"/>
+              </a:spcAft>
+              <a:buClrTx/>
+              <a:buSzTx/>
+              <a:buFontTx/>
+              <a:buNone/>
+              <a:tabLst/>
+              <a:defRPr/>
+            </a:pPr>
+            <a:r>
+              <a:rPr lang="en-US" dirty="0"/>
+              <a:t>In some cities like Philadelphia, more than </a:t>
+            </a:r>
+            <a:r>
+              <a:rPr lang="en-US" dirty="0">
+                <a:solidFill>
+                  <a:srgbClr val="C00000"/>
+                </a:solidFill>
+              </a:rPr>
+              <a:t>68%</a:t>
+            </a:r>
+            <a:r>
+              <a:rPr lang="en-US" dirty="0"/>
+              <a:t> of riders are women.</a:t>
+            </a:r>
           </a:p>
         </p:txBody>
       </p:sp>
@@ -1080,6 +1081,113 @@
     <p:extLst>
       <p:ext uri="{BB962C8B-B14F-4D97-AF65-F5344CB8AC3E}">
         <p14:creationId xmlns:p14="http://schemas.microsoft.com/office/powerpoint/2010/main" val="2352132417"/>
+      </p:ext>
+    </p:extLst>
+  </p:cSld>
+  <p:clrMapOvr>
+    <a:masterClrMapping/>
+  </p:clrMapOvr>
+</p:notes>
+</file>
+
+<file path=ppt/notesSlides/notesSlide5.xml><?xml version="1.0" encoding="utf-8"?>
+<p:notes xmlns:a="http://schemas.openxmlformats.org/drawingml/2006/main" xmlns:r="http://schemas.openxmlformats.org/officeDocument/2006/relationships" xmlns:p="http://schemas.openxmlformats.org/presentationml/2006/main">
+  <p:cSld>
+    <p:spTree>
+      <p:nvGrpSpPr>
+        <p:cNvPr id="1" name=""/>
+        <p:cNvGrpSpPr/>
+        <p:nvPr/>
+      </p:nvGrpSpPr>
+      <p:grpSpPr>
+        <a:xfrm>
+          <a:off x="0" y="0"/>
+          <a:ext cx="0" cy="0"/>
+          <a:chOff x="0" y="0"/>
+          <a:chExt cx="0" cy="0"/>
+        </a:xfrm>
+      </p:grpSpPr>
+      <p:sp>
+        <p:nvSpPr>
+          <p:cNvPr id="2" name="Slide Image Placeholder 1"/>
+          <p:cNvSpPr>
+            <a:spLocks noGrp="1" noRot="1" noChangeAspect="1"/>
+          </p:cNvSpPr>
+          <p:nvPr>
+            <p:ph type="sldImg"/>
+          </p:nvPr>
+        </p:nvSpPr>
+        <p:spPr/>
+      </p:sp>
+      <p:sp>
+        <p:nvSpPr>
+          <p:cNvPr id="3" name="Notes Placeholder 2"/>
+          <p:cNvSpPr>
+            <a:spLocks noGrp="1"/>
+          </p:cNvSpPr>
+          <p:nvPr>
+            <p:ph type="body" idx="1"/>
+          </p:nvPr>
+        </p:nvSpPr>
+        <p:spPr/>
+        <p:txBody>
+          <a:bodyPr/>
+          <a:lstStyle/>
+          <a:p>
+            <a:pPr marL="0" marR="0" lvl="0" indent="0" algn="l" defTabSz="457200" rtl="0" eaLnBrk="1" fontAlgn="auto" latinLnBrk="0" hangingPunct="1">
+              <a:lnSpc>
+                <a:spcPct val="100000"/>
+              </a:lnSpc>
+              <a:spcBef>
+                <a:spcPts val="0"/>
+              </a:spcBef>
+              <a:spcAft>
+                <a:spcPts val="0"/>
+              </a:spcAft>
+              <a:buClrTx/>
+              <a:buSzTx/>
+              <a:buFontTx/>
+              <a:buNone/>
+              <a:tabLst/>
+              <a:defRPr/>
+            </a:pPr>
+            <a:r>
+              <a:rPr lang="en-US" dirty="0"/>
+              <a:t>We may want to think twice before complaining about zoom calls.</a:t>
+            </a:r>
+          </a:p>
+          <a:p>
+            <a:endParaRPr lang="en-US" dirty="0"/>
+          </a:p>
+        </p:txBody>
+      </p:sp>
+      <p:sp>
+        <p:nvSpPr>
+          <p:cNvPr id="4" name="Slide Number Placeholder 3"/>
+          <p:cNvSpPr>
+            <a:spLocks noGrp="1"/>
+          </p:cNvSpPr>
+          <p:nvPr>
+            <p:ph type="sldNum" sz="quarter" idx="5"/>
+          </p:nvPr>
+        </p:nvSpPr>
+        <p:spPr/>
+        <p:txBody>
+          <a:bodyPr/>
+          <a:lstStyle/>
+          <a:p>
+            <a:fld id="{D904D311-73F7-5D42-B843-E8305C73070F}" type="slidenum">
+              <a:rPr lang="en-US" smtClean="0"/>
+              <a:t>12</a:t>
+            </a:fld>
+            <a:endParaRPr lang="en-US" dirty="0"/>
+          </a:p>
+        </p:txBody>
+      </p:sp>
+    </p:spTree>
+    <p:extLst>
+      <p:ext uri="{BB962C8B-B14F-4D97-AF65-F5344CB8AC3E}">
+        <p14:creationId xmlns:p14="http://schemas.microsoft.com/office/powerpoint/2010/main" val="3163847642"/>
       </p:ext>
     </p:extLst>
   </p:cSld>
@@ -1116,13 +1224,13 @@
   <p:clrMapOvr>
     <a:masterClrMapping/>
   </p:clrMapOvr>
-  <mc:AlternateContent xmlns:mc="http://schemas.openxmlformats.org/markup-compatibility/2006">
-    <mc:Choice xmlns:p14="http://schemas.microsoft.com/office/powerpoint/2010/main" Requires="p14">
+  <mc:AlternateContent xmlns:mc="http://schemas.openxmlformats.org/markup-compatibility/2006" xmlns:p14="http://schemas.microsoft.com/office/powerpoint/2010/main">
+    <mc:Choice Requires="p14">
       <p:transition p14:dur="10" advClick="0">
         <p:fade/>
       </p:transition>
     </mc:Choice>
-    <mc:Fallback>
+    <mc:Fallback xmlns="">
       <p:transition advClick="0">
         <p:fade/>
       </p:transition>
@@ -1158,13 +1266,13 @@
   <p:clrMapOvr>
     <a:masterClrMapping/>
   </p:clrMapOvr>
-  <mc:AlternateContent xmlns:mc="http://schemas.openxmlformats.org/markup-compatibility/2006">
-    <mc:Choice xmlns:p14="http://schemas.microsoft.com/office/powerpoint/2010/main" Requires="p14">
+  <mc:AlternateContent xmlns:mc="http://schemas.openxmlformats.org/markup-compatibility/2006" xmlns:p14="http://schemas.microsoft.com/office/powerpoint/2010/main">
+    <mc:Choice Requires="p14">
       <p:transition p14:dur="10" advClick="0">
         <p:fade/>
       </p:transition>
     </mc:Choice>
-    <mc:Fallback>
+    <mc:Fallback xmlns="">
       <p:transition advClick="0">
         <p:fade/>
       </p:transition>
@@ -1421,13 +1529,13 @@
   <p:clrMapOvr>
     <a:masterClrMapping/>
   </p:clrMapOvr>
-  <mc:AlternateContent xmlns:mc="http://schemas.openxmlformats.org/markup-compatibility/2006">
-    <mc:Choice xmlns:p14="http://schemas.microsoft.com/office/powerpoint/2010/main" Requires="p14">
+  <mc:AlternateContent xmlns:mc="http://schemas.openxmlformats.org/markup-compatibility/2006" xmlns:p14="http://schemas.microsoft.com/office/powerpoint/2010/main">
+    <mc:Choice Requires="p14">
       <p:transition p14:dur="10" advClick="0">
         <p:fade/>
       </p:transition>
     </mc:Choice>
-    <mc:Fallback>
+    <mc:Fallback xmlns="">
       <p:transition advClick="0">
         <p:fade/>
       </p:transition>
@@ -1743,13 +1851,13 @@
   <p:clrMapOvr>
     <a:masterClrMapping/>
   </p:clrMapOvr>
-  <mc:AlternateContent xmlns:mc="http://schemas.openxmlformats.org/markup-compatibility/2006">
-    <mc:Choice xmlns:p14="http://schemas.microsoft.com/office/powerpoint/2010/main" Requires="p14">
+  <mc:AlternateContent xmlns:mc="http://schemas.openxmlformats.org/markup-compatibility/2006" xmlns:p14="http://schemas.microsoft.com/office/powerpoint/2010/main">
+    <mc:Choice Requires="p14">
       <p:transition p14:dur="10" advClick="0">
         <p:fade/>
       </p:transition>
     </mc:Choice>
-    <mc:Fallback>
+    <mc:Fallback xmlns="">
       <p:transition advClick="0">
         <p:fade/>
       </p:transition>
@@ -2145,13 +2253,13 @@
   <p:clrMapOvr>
     <a:masterClrMapping/>
   </p:clrMapOvr>
-  <mc:AlternateContent xmlns:mc="http://schemas.openxmlformats.org/markup-compatibility/2006">
-    <mc:Choice xmlns:p14="http://schemas.microsoft.com/office/powerpoint/2010/main" Requires="p14">
+  <mc:AlternateContent xmlns:mc="http://schemas.openxmlformats.org/markup-compatibility/2006" xmlns:p14="http://schemas.microsoft.com/office/powerpoint/2010/main">
+    <mc:Choice Requires="p14">
       <p:transition p14:dur="10" advClick="0">
         <p:fade/>
       </p:transition>
     </mc:Choice>
-    <mc:Fallback>
+    <mc:Fallback xmlns="">
       <p:transition advClick="0">
         <p:fade/>
       </p:transition>
@@ -2476,13 +2584,13 @@
   <p:clrMapOvr>
     <a:masterClrMapping/>
   </p:clrMapOvr>
-  <mc:AlternateContent xmlns:mc="http://schemas.openxmlformats.org/markup-compatibility/2006">
-    <mc:Choice xmlns:p14="http://schemas.microsoft.com/office/powerpoint/2010/main" Requires="p14">
+  <mc:AlternateContent xmlns:mc="http://schemas.openxmlformats.org/markup-compatibility/2006" xmlns:p14="http://schemas.microsoft.com/office/powerpoint/2010/main">
+    <mc:Choice Requires="p14">
       <p:transition p14:dur="10" advClick="0">
         <p:fade/>
       </p:transition>
     </mc:Choice>
-    <mc:Fallback>
+    <mc:Fallback xmlns="">
       <p:transition advClick="0">
         <p:fade/>
       </p:transition>
@@ -2884,13 +2992,13 @@
   <p:clrMapOvr>
     <a:masterClrMapping/>
   </p:clrMapOvr>
-  <mc:AlternateContent xmlns:mc="http://schemas.openxmlformats.org/markup-compatibility/2006">
-    <mc:Choice xmlns:p14="http://schemas.microsoft.com/office/powerpoint/2010/main" Requires="p14">
+  <mc:AlternateContent xmlns:mc="http://schemas.openxmlformats.org/markup-compatibility/2006" xmlns:p14="http://schemas.microsoft.com/office/powerpoint/2010/main">
+    <mc:Choice Requires="p14">
       <p:transition p14:dur="10" advClick="0">
         <p:fade/>
       </p:transition>
     </mc:Choice>
-    <mc:Fallback>
+    <mc:Fallback xmlns="">
       <p:transition advClick="0">
         <p:fade/>
       </p:transition>
@@ -3245,13 +3353,13 @@
   <p:clrMapOvr>
     <a:masterClrMapping/>
   </p:clrMapOvr>
-  <mc:AlternateContent xmlns:mc="http://schemas.openxmlformats.org/markup-compatibility/2006">
-    <mc:Choice xmlns:p14="http://schemas.microsoft.com/office/powerpoint/2010/main" Requires="p14">
+  <mc:AlternateContent xmlns:mc="http://schemas.openxmlformats.org/markup-compatibility/2006" xmlns:p14="http://schemas.microsoft.com/office/powerpoint/2010/main">
+    <mc:Choice Requires="p14">
       <p:transition p14:dur="10" advClick="0">
         <p:fade/>
       </p:transition>
     </mc:Choice>
-    <mc:Fallback>
+    <mc:Fallback xmlns="">
       <p:transition advClick="0">
         <p:fade/>
       </p:transition>
@@ -3323,7 +3431,7 @@
             <a:fld id="{0F0D8E7B-AF3B-B444-8E74-E549FC814F53}" type="datetimeFigureOut">
               <a:rPr lang="en-US" smtClean="0"/>
               <a:pPr/>
-              <a:t>11/10/2020</a:t>
+              <a:t>11/17/2020</a:t>
             </a:fld>
             <a:endParaRPr lang="en-US" dirty="0"/>
           </a:p>
@@ -3414,13 +3522,13 @@
   <p:sldLayoutIdLst>
     <p:sldLayoutId id="2147483777" r:id="rId1"/>
   </p:sldLayoutIdLst>
-  <mc:AlternateContent xmlns:mc="http://schemas.openxmlformats.org/markup-compatibility/2006">
-    <mc:Choice xmlns:p14="http://schemas.microsoft.com/office/powerpoint/2010/main" Requires="p14">
+  <mc:AlternateContent xmlns:mc="http://schemas.openxmlformats.org/markup-compatibility/2006" xmlns:p14="http://schemas.microsoft.com/office/powerpoint/2010/main">
+    <mc:Choice Requires="p14">
       <p:transition p14:dur="10" advClick="0">
         <p:fade/>
       </p:transition>
     </mc:Choice>
-    <mc:Fallback>
+    <mc:Fallback xmlns="">
       <p:transition advClick="0">
         <p:fade/>
       </p:transition>
@@ -3874,13 +3982,13 @@
     <p:sldLayoutId id="2147483768" r:id="rId6"/>
     <p:sldLayoutId id="2147483763" r:id="rId7"/>
   </p:sldLayoutIdLst>
-  <mc:AlternateContent xmlns:mc="http://schemas.openxmlformats.org/markup-compatibility/2006">
-    <mc:Choice xmlns:p14="http://schemas.microsoft.com/office/powerpoint/2010/main" Requires="p14">
+  <mc:AlternateContent xmlns:mc="http://schemas.openxmlformats.org/markup-compatibility/2006" xmlns:p14="http://schemas.microsoft.com/office/powerpoint/2010/main">
+    <mc:Choice Requires="p14">
       <p:transition p14:dur="10" advClick="0">
         <p:fade/>
       </p:transition>
     </mc:Choice>
-    <mc:Fallback>
+    <mc:Fallback xmlns="">
       <p:transition advClick="0">
         <p:fade/>
       </p:transition>
@@ -4533,13 +4641,13 @@
   <p:clrMapOvr>
     <a:masterClrMapping/>
   </p:clrMapOvr>
-  <mc:AlternateContent xmlns:mc="http://schemas.openxmlformats.org/markup-compatibility/2006">
-    <mc:Choice xmlns:p14="http://schemas.microsoft.com/office/powerpoint/2010/main" Requires="p14">
+  <mc:AlternateContent xmlns:mc="http://schemas.openxmlformats.org/markup-compatibility/2006" xmlns:p14="http://schemas.microsoft.com/office/powerpoint/2010/main">
+    <mc:Choice Requires="p14">
       <p:transition p14:dur="10">
         <p:fade/>
       </p:transition>
     </mc:Choice>
-    <mc:Fallback>
+    <mc:Fallback xmlns="">
       <p:transition>
         <p:fade/>
       </p:transition>
@@ -4657,7 +4765,7 @@
                   <a:srgbClr val="C00000"/>
                 </a:solidFill>
               </a:rPr>
-              <a:t>During this crisis, your preference/awareness is hardly a factor.</a:t>
+              <a:t>Your preference/awareness is hardly a factor.</a:t>
             </a:r>
           </a:p>
           <a:p>
@@ -4712,13 +4820,13 @@
   <p:clrMapOvr>
     <a:masterClrMapping/>
   </p:clrMapOvr>
-  <mc:AlternateContent xmlns:mc="http://schemas.openxmlformats.org/markup-compatibility/2006">
-    <mc:Choice xmlns:p14="http://schemas.microsoft.com/office/powerpoint/2010/main" Requires="p14">
+  <mc:AlternateContent xmlns:mc="http://schemas.openxmlformats.org/markup-compatibility/2006" xmlns:p14="http://schemas.microsoft.com/office/powerpoint/2010/main">
+    <mc:Choice Requires="p14">
       <p:transition p14:dur="10" advClick="0">
         <p:fade/>
       </p:transition>
     </mc:Choice>
-    <mc:Fallback>
+    <mc:Fallback xmlns="">
       <p:transition advClick="0">
         <p:fade/>
       </p:transition>
@@ -5036,95 +5144,6 @@
       </p:pic>
       <p:sp>
         <p:nvSpPr>
-          <p:cNvPr id="2" name="Speech Bubble: Oval 1">
-            <a:extLst>
-              <a:ext uri="{FF2B5EF4-FFF2-40B4-BE49-F238E27FC236}">
-                <a16:creationId xmlns:a16="http://schemas.microsoft.com/office/drawing/2014/main" id="{5B2732D8-4807-41BC-8950-4190D58D24EF}"/>
-              </a:ext>
-            </a:extLst>
-          </p:cNvPr>
-          <p:cNvSpPr/>
-          <p:nvPr/>
-        </p:nvSpPr>
-        <p:spPr>
-          <a:xfrm>
-            <a:off x="5783246" y="2161590"/>
-            <a:ext cx="3393268" cy="1590675"/>
-          </a:xfrm>
-          <a:prstGeom prst="wedgeEllipseCallout">
-            <a:avLst>
-              <a:gd name="adj1" fmla="val 24511"/>
-              <a:gd name="adj2" fmla="val 59506"/>
-            </a:avLst>
-          </a:prstGeom>
-        </p:spPr>
-        <p:style>
-          <a:lnRef idx="1">
-            <a:schemeClr val="accent1"/>
-          </a:lnRef>
-          <a:fillRef idx="3">
-            <a:schemeClr val="accent1"/>
-          </a:fillRef>
-          <a:effectRef idx="2">
-            <a:schemeClr val="accent1"/>
-          </a:effectRef>
-          <a:fontRef idx="minor">
-            <a:schemeClr val="lt1"/>
-          </a:fontRef>
-        </p:style>
-        <p:txBody>
-          <a:bodyPr rtlCol="0" anchor="ctr"/>
-          <a:lstStyle/>
-          <a:p>
-            <a:pPr algn="ctr"/>
-            <a:r>
-              <a:rPr lang="en-US" dirty="0">
-                <a:solidFill>
-                  <a:schemeClr val="tx1"/>
-                </a:solidFill>
-              </a:rPr>
-              <a:t>Peasants deal with it</a:t>
-            </a:r>
-          </a:p>
-          <a:p>
-            <a:pPr algn="ctr"/>
-            <a:r>
-              <a:rPr lang="en-US" dirty="0" err="1">
-                <a:solidFill>
-                  <a:schemeClr val="tx1"/>
-                </a:solidFill>
-              </a:rPr>
-              <a:t>Aight</a:t>
-            </a:r>
-            <a:r>
-              <a:rPr lang="en-US" dirty="0">
-                <a:solidFill>
-                  <a:schemeClr val="tx1"/>
-                </a:solidFill>
-              </a:rPr>
-              <a:t> </a:t>
-            </a:r>
-            <a:r>
-              <a:rPr lang="en-US" dirty="0" err="1">
-                <a:solidFill>
-                  <a:schemeClr val="tx1"/>
-                </a:solidFill>
-              </a:rPr>
-              <a:t>Imma</a:t>
-            </a:r>
-            <a:r>
-              <a:rPr lang="en-US" dirty="0">
-                <a:solidFill>
-                  <a:schemeClr val="tx1"/>
-                </a:solidFill>
-              </a:rPr>
-              <a:t> head out</a:t>
-            </a:r>
-          </a:p>
-        </p:txBody>
-      </p:sp>
-      <p:sp>
-        <p:nvSpPr>
           <p:cNvPr id="3" name="TextBox 2">
             <a:extLst>
               <a:ext uri="{FF2B5EF4-FFF2-40B4-BE49-F238E27FC236}">
@@ -5168,13 +5187,13 @@
   <p:clrMapOvr>
     <a:masterClrMapping/>
   </p:clrMapOvr>
-  <mc:AlternateContent xmlns:mc="http://schemas.openxmlformats.org/markup-compatibility/2006">
-    <mc:Choice xmlns:p14="http://schemas.microsoft.com/office/powerpoint/2010/main" Requires="p14">
+  <mc:AlternateContent xmlns:mc="http://schemas.openxmlformats.org/markup-compatibility/2006" xmlns:p14="http://schemas.microsoft.com/office/powerpoint/2010/main">
+    <mc:Choice Requires="p14">
       <p:transition p14:dur="10" advClick="0">
         <p:fade/>
       </p:transition>
     </mc:Choice>
-    <mc:Fallback>
+    <mc:Fallback xmlns="">
       <p:transition advClick="0">
         <p:fade/>
       </p:transition>
@@ -5277,7 +5296,7 @@
             </a:pPr>
             <a:r>
               <a:rPr lang="en-US" dirty="0"/>
-              <a:t>Despite an unknown deadly virus and lockdown, people still need transit systems.</a:t>
+              <a:t>People need transit systems, even during lockdown.</a:t>
             </a:r>
           </a:p>
           <a:p>
@@ -5298,16 +5317,6 @@
             <a:r>
               <a:rPr lang="en-US" dirty="0"/>
               <a:t>Your preference hardly matters during this crisis.</a:t>
-            </a:r>
-          </a:p>
-          <a:p>
-            <a:pPr marL="457200" indent="-457200">
-              <a:buFont typeface="Arial" panose="020B0604020202020204" pitchFamily="34" charset="0"/>
-              <a:buChar char="•"/>
-            </a:pPr>
-            <a:r>
-              <a:rPr lang="en-US" dirty="0"/>
-              <a:t>We may want to think twice before complaining about zoom calls.</a:t>
             </a:r>
           </a:p>
           <a:p>
@@ -5318,6 +5327,13 @@
             <a:endParaRPr lang="en-US" dirty="0"/>
           </a:p>
           <a:p>
+            <a:pPr marL="457200" indent="-457200">
+              <a:buFont typeface="Arial" panose="020B0604020202020204" pitchFamily="34" charset="0"/>
+              <a:buChar char="•"/>
+            </a:pPr>
+            <a:endParaRPr lang="en-US" dirty="0"/>
+          </a:p>
+          <a:p>
             <a:r>
               <a:rPr lang="en-US" dirty="0">
                 <a:solidFill>
@@ -5326,6 +5342,23 @@
               </a:rPr>
               <a:t>Public transit should not be a business, but a social-welfare.</a:t>
             </a:r>
+          </a:p>
+          <a:p>
+            <a:r>
+              <a:rPr lang="en-US" dirty="0">
+                <a:solidFill>
+                  <a:srgbClr val="C00000"/>
+                </a:solidFill>
+              </a:rPr>
+              <a:t>														</a:t>
+            </a:r>
+            <a:endParaRPr lang="en-US" dirty="0">
+              <a:solidFill>
+                <a:schemeClr val="bg1">
+                  <a:lumMod val="85000"/>
+                </a:schemeClr>
+              </a:solidFill>
+            </a:endParaRPr>
           </a:p>
           <a:p>
             <a:pPr marL="457200" indent="-457200">
@@ -5376,13 +5409,13 @@
   <p:clrMapOvr>
     <a:masterClrMapping/>
   </p:clrMapOvr>
-  <mc:AlternateContent xmlns:mc="http://schemas.openxmlformats.org/markup-compatibility/2006">
-    <mc:Choice xmlns:p14="http://schemas.microsoft.com/office/powerpoint/2010/main" Requires="p14">
+  <mc:AlternateContent xmlns:mc="http://schemas.openxmlformats.org/markup-compatibility/2006" xmlns:p14="http://schemas.microsoft.com/office/powerpoint/2010/main">
+    <mc:Choice Requires="p14">
       <p:transition p14:dur="10" advClick="0">
         <p:fade/>
       </p:transition>
     </mc:Choice>
-    <mc:Fallback>
+    <mc:Fallback xmlns="">
       <p:transition advClick="0">
         <p:fade/>
       </p:transition>
@@ -5478,13 +5511,13 @@
   <p:clrMapOvr>
     <a:masterClrMapping/>
   </p:clrMapOvr>
-  <mc:AlternateContent xmlns:mc="http://schemas.openxmlformats.org/markup-compatibility/2006">
-    <mc:Choice xmlns:p14="http://schemas.microsoft.com/office/powerpoint/2010/main" Requires="p14">
+  <mc:AlternateContent xmlns:mc="http://schemas.openxmlformats.org/markup-compatibility/2006" xmlns:p14="http://schemas.microsoft.com/office/powerpoint/2010/main">
+    <mc:Choice Requires="p14">
       <p:transition p14:dur="10" advClick="0">
         <p:fade/>
       </p:transition>
     </mc:Choice>
-    <mc:Fallback>
+    <mc:Fallback xmlns="">
       <p:transition advClick="0">
         <p:fade/>
       </p:transition>
@@ -5884,13 +5917,13 @@
   <p:clrMapOvr>
     <a:masterClrMapping/>
   </p:clrMapOvr>
-  <mc:AlternateContent xmlns:mc="http://schemas.openxmlformats.org/markup-compatibility/2006">
-    <mc:Choice xmlns:p14="http://schemas.microsoft.com/office/powerpoint/2010/main" Requires="p14">
+  <mc:AlternateContent xmlns:mc="http://schemas.openxmlformats.org/markup-compatibility/2006" xmlns:p14="http://schemas.microsoft.com/office/powerpoint/2010/main">
+    <mc:Choice Requires="p14">
       <p:transition p14:dur="10" advClick="0">
         <p:fade/>
       </p:transition>
     </mc:Choice>
-    <mc:Fallback>
+    <mc:Fallback xmlns="">
       <p:transition advClick="0">
         <p:fade/>
       </p:transition>
@@ -6066,13 +6099,13 @@
   <p:clrMapOvr>
     <a:masterClrMapping/>
   </p:clrMapOvr>
-  <mc:AlternateContent xmlns:mc="http://schemas.openxmlformats.org/markup-compatibility/2006">
-    <mc:Choice xmlns:p14="http://schemas.microsoft.com/office/powerpoint/2010/main" Requires="p14">
+  <mc:AlternateContent xmlns:mc="http://schemas.openxmlformats.org/markup-compatibility/2006" xmlns:p14="http://schemas.microsoft.com/office/powerpoint/2010/main">
+    <mc:Choice Requires="p14">
       <p:transition p14:dur="10" advClick="0">
         <p:fade/>
       </p:transition>
     </mc:Choice>
-    <mc:Fallback>
+    <mc:Fallback xmlns="">
       <p:transition advClick="0">
         <p:fade/>
       </p:transition>
@@ -6468,13 +6501,13 @@
   <p:clrMapOvr>
     <a:masterClrMapping/>
   </p:clrMapOvr>
-  <mc:AlternateContent xmlns:mc="http://schemas.openxmlformats.org/markup-compatibility/2006">
-    <mc:Choice xmlns:p14="http://schemas.microsoft.com/office/powerpoint/2010/main" Requires="p14">
+  <mc:AlternateContent xmlns:mc="http://schemas.openxmlformats.org/markup-compatibility/2006" xmlns:p14="http://schemas.microsoft.com/office/powerpoint/2010/main">
+    <mc:Choice Requires="p14">
       <p:transition p14:dur="10" advClick="0">
         <p:fade/>
       </p:transition>
     </mc:Choice>
-    <mc:Fallback>
+    <mc:Fallback xmlns="">
       <p:transition advClick="0">
         <p:fade/>
       </p:transition>
@@ -6822,13 +6855,13 @@
   <p:clrMapOvr>
     <a:masterClrMapping/>
   </p:clrMapOvr>
-  <mc:AlternateContent xmlns:mc="http://schemas.openxmlformats.org/markup-compatibility/2006">
-    <mc:Choice xmlns:p14="http://schemas.microsoft.com/office/powerpoint/2010/main" Requires="p14">
+  <mc:AlternateContent xmlns:mc="http://schemas.openxmlformats.org/markup-compatibility/2006" xmlns:p14="http://schemas.microsoft.com/office/powerpoint/2010/main">
+    <mc:Choice Requires="p14">
       <p:transition p14:dur="10" advClick="0">
         <p:fade/>
       </p:transition>
     </mc:Choice>
-    <mc:Fallback>
+    <mc:Fallback xmlns="">
       <p:transition advClick="0">
         <p:fade/>
       </p:transition>
@@ -7031,13 +7064,13 @@
   <p:clrMapOvr>
     <a:masterClrMapping/>
   </p:clrMapOvr>
-  <mc:AlternateContent xmlns:mc="http://schemas.openxmlformats.org/markup-compatibility/2006">
-    <mc:Choice xmlns:p14="http://schemas.microsoft.com/office/powerpoint/2010/main" Requires="p14">
+  <mc:AlternateContent xmlns:mc="http://schemas.openxmlformats.org/markup-compatibility/2006" xmlns:p14="http://schemas.microsoft.com/office/powerpoint/2010/main">
+    <mc:Choice Requires="p14">
       <p:transition p14:dur="10" advClick="0">
         <p:fade/>
       </p:transition>
     </mc:Choice>
-    <mc:Fallback>
+    <mc:Fallback xmlns="">
       <p:transition advClick="0">
         <p:fade/>
       </p:transition>
@@ -7166,7 +7199,7 @@
           <a:p>
             <a:r>
               <a:rPr lang="en-US" dirty="0"/>
-              <a:t>Four significant factors contribute to the </a:t>
+              <a:t>Four factors contribute to the </a:t>
             </a:r>
             <a:r>
               <a:rPr lang="en-US" dirty="0">
@@ -7178,17 +7211,15 @@
             </a:r>
             <a:r>
               <a:rPr lang="en-US" dirty="0"/>
-              <a:t>– how many people were using transit during the lockdown in a city.</a:t>
-            </a:r>
-          </a:p>
-          <a:p>
+              <a:t>– transit demand during the lockdown.</a:t>
+            </a:r>
+          </a:p>
+          <a:p>
+            <a:pPr marL="457200" indent="-457200">
+              <a:buFont typeface="Arial" panose="020B0604020202020204" pitchFamily="34" charset="0"/>
+              <a:buChar char="•"/>
+            </a:pPr>
             <a:endParaRPr lang="en-US" dirty="0"/>
-          </a:p>
-          <a:p>
-            <a:r>
-              <a:rPr lang="en-US" dirty="0"/>
-              <a:t>From most significant factors to less ones:</a:t>
-            </a:r>
           </a:p>
           <a:p>
             <a:pPr marL="457200" indent="-457200">
@@ -7242,13 +7273,13 @@
   <p:clrMapOvr>
     <a:masterClrMapping/>
   </p:clrMapOvr>
-  <mc:AlternateContent xmlns:mc="http://schemas.openxmlformats.org/markup-compatibility/2006">
-    <mc:Choice xmlns:p14="http://schemas.microsoft.com/office/powerpoint/2010/main" Requires="p14">
+  <mc:AlternateContent xmlns:mc="http://schemas.openxmlformats.org/markup-compatibility/2006" xmlns:p14="http://schemas.microsoft.com/office/powerpoint/2010/main">
+    <mc:Choice Requires="p14">
       <p:transition p14:dur="10" advClick="0">
         <p:fade/>
       </p:transition>
     </mc:Choice>
-    <mc:Fallback>
+    <mc:Fallback xmlns="">
       <p:transition advClick="0">
         <p:fade/>
       </p:transition>
@@ -7276,31 +7307,6 @@
       </p:grpSpPr>
       <p:sp>
         <p:nvSpPr>
-          <p:cNvPr id="2" name="Content Placeholder 1">
-            <a:extLst>
-              <a:ext uri="{FF2B5EF4-FFF2-40B4-BE49-F238E27FC236}">
-                <a16:creationId xmlns:a16="http://schemas.microsoft.com/office/drawing/2014/main" id="{7463A9E8-A66F-4C70-A2CA-6B81922A12C7}"/>
-              </a:ext>
-            </a:extLst>
-          </p:cNvPr>
-          <p:cNvSpPr>
-            <a:spLocks noGrp="1"/>
-          </p:cNvSpPr>
-          <p:nvPr>
-            <p:ph idx="15"/>
-          </p:nvPr>
-        </p:nvSpPr>
-        <p:spPr/>
-        <p:txBody>
-          <a:bodyPr/>
-          <a:lstStyle/>
-          <a:p>
-            <a:endParaRPr lang="en-US"/>
-          </a:p>
-        </p:txBody>
-      </p:sp>
-      <p:sp>
-        <p:nvSpPr>
           <p:cNvPr id="3" name="Content Placeholder 2">
             <a:extLst>
               <a:ext uri="{FF2B5EF4-FFF2-40B4-BE49-F238E27FC236}">
@@ -7371,7 +7377,7 @@
             </a:r>
             <a:r>
               <a:rPr lang="en-US" dirty="0"/>
-              <a:t> people will use transit during the lockdown.</a:t>
+              <a:t> people used transit during the lockdown.</a:t>
             </a:r>
           </a:p>
           <a:p>
@@ -7384,67 +7390,10 @@
             </a:r>
           </a:p>
           <a:p>
-            <a:r>
-              <a:rPr lang="en-US" dirty="0"/>
-              <a:t>African-American: </a:t>
-            </a:r>
-            <a:r>
-              <a:rPr lang="en-US" dirty="0">
-                <a:solidFill>
-                  <a:srgbClr val="C00000"/>
-                </a:solidFill>
-              </a:rPr>
-              <a:t>24% =&gt; 37%</a:t>
-            </a:r>
-          </a:p>
-          <a:p>
-            <a:r>
-              <a:rPr lang="en-US" dirty="0"/>
-              <a:t>Caucasian: </a:t>
-            </a:r>
-            <a:r>
-              <a:rPr lang="en-US" dirty="0">
-                <a:solidFill>
-                  <a:srgbClr val="C00000"/>
-                </a:solidFill>
-              </a:rPr>
-              <a:t>41% =&gt; 23%</a:t>
-            </a:r>
-          </a:p>
-          <a:p>
-            <a:r>
-              <a:rPr lang="en-US" dirty="0"/>
-              <a:t>Gender ratio: </a:t>
-            </a:r>
-            <a:r>
-              <a:rPr lang="en-US" dirty="0">
-                <a:solidFill>
-                  <a:srgbClr val="C00000"/>
-                </a:solidFill>
-              </a:rPr>
-              <a:t>50 (F) / 50 (M) =&gt; 56 (F) / 40 (M)</a:t>
-            </a:r>
-          </a:p>
-          <a:p>
-            <a:endParaRPr lang="en-US" dirty="0"/>
-          </a:p>
-          <a:p>
-            <a:r>
-              <a:rPr lang="en-US" dirty="0"/>
-              <a:t>In some cities like Philadelphia, more than </a:t>
-            </a:r>
-            <a:r>
-              <a:rPr lang="en-US" dirty="0">
-                <a:solidFill>
-                  <a:srgbClr val="C00000"/>
-                </a:solidFill>
-              </a:rPr>
-              <a:t>68%</a:t>
-            </a:r>
-            <a:r>
-              <a:rPr lang="en-US" dirty="0"/>
-              <a:t> of riders are women.</a:t>
-            </a:r>
+            <a:endParaRPr lang="en-US" b="1" dirty="0"/>
+          </a:p>
+          <a:p>
+            <a:endParaRPr lang="en-US" b="1" dirty="0"/>
           </a:p>
         </p:txBody>
       </p:sp>
@@ -7478,6 +7427,305 @@
           </a:p>
         </p:txBody>
       </p:sp>
+      <p:graphicFrame>
+        <p:nvGraphicFramePr>
+          <p:cNvPr id="6" name="Table 6">
+            <a:extLst>
+              <a:ext uri="{FF2B5EF4-FFF2-40B4-BE49-F238E27FC236}">
+                <a16:creationId xmlns:a16="http://schemas.microsoft.com/office/drawing/2014/main" id="{53F67A10-D309-4796-9E85-C1E573162EAA}"/>
+              </a:ext>
+            </a:extLst>
+          </p:cNvPr>
+          <p:cNvGraphicFramePr>
+            <a:graphicFrameLocks noGrp="1"/>
+          </p:cNvGraphicFramePr>
+          <p:nvPr>
+            <p:ph idx="15"/>
+            <p:extLst>
+              <p:ext uri="{D42A27DB-BD31-4B8C-83A1-F6EECF244321}">
+                <p14:modId xmlns:p14="http://schemas.microsoft.com/office/powerpoint/2010/main" val="3888496079"/>
+              </p:ext>
+            </p:extLst>
+          </p:nvPr>
+        </p:nvGraphicFramePr>
+        <p:xfrm>
+          <a:off x="188283" y="3762702"/>
+          <a:ext cx="8769927" cy="2757760"/>
+        </p:xfrm>
+        <a:graphic>
+          <a:graphicData uri="http://schemas.openxmlformats.org/drawingml/2006/table">
+            <a:tbl>
+              <a:tblPr firstRow="1" bandRow="1">
+                <a:tableStyleId>{5C22544A-7EE6-4342-B048-85BDC9FD1C3A}</a:tableStyleId>
+              </a:tblPr>
+              <a:tblGrid>
+                <a:gridCol w="2794571">
+                  <a:extLst>
+                    <a:ext uri="{9D8B030D-6E8A-4147-A177-3AD203B41FA5}">
+                      <a16:colId xmlns:a16="http://schemas.microsoft.com/office/drawing/2014/main" val="2907346042"/>
+                    </a:ext>
+                  </a:extLst>
+                </a:gridCol>
+                <a:gridCol w="2868243">
+                  <a:extLst>
+                    <a:ext uri="{9D8B030D-6E8A-4147-A177-3AD203B41FA5}">
+                      <a16:colId xmlns:a16="http://schemas.microsoft.com/office/drawing/2014/main" val="2580215332"/>
+                    </a:ext>
+                  </a:extLst>
+                </a:gridCol>
+                <a:gridCol w="3107113">
+                  <a:extLst>
+                    <a:ext uri="{9D8B030D-6E8A-4147-A177-3AD203B41FA5}">
+                      <a16:colId xmlns:a16="http://schemas.microsoft.com/office/drawing/2014/main" val="1447350506"/>
+                    </a:ext>
+                  </a:extLst>
+                </a:gridCol>
+              </a:tblGrid>
+              <a:tr h="551552">
+                <a:tc>
+                  <a:txBody>
+                    <a:bodyPr/>
+                    <a:lstStyle/>
+                    <a:p>
+                      <a:endParaRPr lang="en-US" sz="2400" dirty="0"/>
+                    </a:p>
+                  </a:txBody>
+                  <a:tcPr/>
+                </a:tc>
+                <a:tc>
+                  <a:txBody>
+                    <a:bodyPr/>
+                    <a:lstStyle/>
+                    <a:p>
+                      <a:r>
+                        <a:rPr lang="en-US" sz="2400" kern="1200" dirty="0">
+                          <a:solidFill>
+                            <a:schemeClr val="dk1"/>
+                          </a:solidFill>
+                          <a:latin typeface="+mn-lt"/>
+                          <a:ea typeface="+mn-ea"/>
+                          <a:cs typeface="+mn-cs"/>
+                        </a:rPr>
+                        <a:t>Before</a:t>
+                      </a:r>
+                    </a:p>
+                  </a:txBody>
+                  <a:tcPr/>
+                </a:tc>
+                <a:tc>
+                  <a:txBody>
+                    <a:bodyPr/>
+                    <a:lstStyle/>
+                    <a:p>
+                      <a:r>
+                        <a:rPr lang="en-US" sz="2400" kern="1200" dirty="0">
+                          <a:solidFill>
+                            <a:schemeClr val="dk1"/>
+                          </a:solidFill>
+                          <a:latin typeface="+mn-lt"/>
+                          <a:ea typeface="+mn-ea"/>
+                          <a:cs typeface="+mn-cs"/>
+                        </a:rPr>
+                        <a:t>After</a:t>
+                      </a:r>
+                    </a:p>
+                  </a:txBody>
+                  <a:tcPr/>
+                </a:tc>
+                <a:extLst>
+                  <a:ext uri="{0D108BD9-81ED-4DB2-BD59-A6C34878D82A}">
+                    <a16:rowId xmlns:a16="http://schemas.microsoft.com/office/drawing/2014/main" val="602927594"/>
+                  </a:ext>
+                </a:extLst>
+              </a:tr>
+              <a:tr h="551552">
+                <a:tc>
+                  <a:txBody>
+                    <a:bodyPr/>
+                    <a:lstStyle/>
+                    <a:p>
+                      <a:r>
+                        <a:rPr lang="en-US" sz="2400" dirty="0"/>
+                        <a:t>African-American</a:t>
+                      </a:r>
+                    </a:p>
+                  </a:txBody>
+                  <a:tcPr/>
+                </a:tc>
+                <a:tc>
+                  <a:txBody>
+                    <a:bodyPr/>
+                    <a:lstStyle/>
+                    <a:p>
+                      <a:r>
+                        <a:rPr lang="en-US" sz="2400" dirty="0"/>
+                        <a:t>24%</a:t>
+                      </a:r>
+                    </a:p>
+                  </a:txBody>
+                  <a:tcPr/>
+                </a:tc>
+                <a:tc>
+                  <a:txBody>
+                    <a:bodyPr/>
+                    <a:lstStyle/>
+                    <a:p>
+                      <a:r>
+                        <a:rPr lang="en-US" sz="2400" dirty="0"/>
+                        <a:t>37% (+13%)</a:t>
+                      </a:r>
+                    </a:p>
+                  </a:txBody>
+                  <a:tcPr/>
+                </a:tc>
+                <a:extLst>
+                  <a:ext uri="{0D108BD9-81ED-4DB2-BD59-A6C34878D82A}">
+                    <a16:rowId xmlns:a16="http://schemas.microsoft.com/office/drawing/2014/main" val="2480558876"/>
+                  </a:ext>
+                </a:extLst>
+              </a:tr>
+              <a:tr h="551552">
+                <a:tc>
+                  <a:txBody>
+                    <a:bodyPr/>
+                    <a:lstStyle/>
+                    <a:p>
+                      <a:r>
+                        <a:rPr lang="en-US" sz="2400" dirty="0"/>
+                        <a:t>White</a:t>
+                      </a:r>
+                    </a:p>
+                  </a:txBody>
+                  <a:tcPr/>
+                </a:tc>
+                <a:tc>
+                  <a:txBody>
+                    <a:bodyPr/>
+                    <a:lstStyle/>
+                    <a:p>
+                      <a:r>
+                        <a:rPr lang="en-US" sz="2400" dirty="0"/>
+                        <a:t>41%</a:t>
+                      </a:r>
+                    </a:p>
+                  </a:txBody>
+                  <a:tcPr/>
+                </a:tc>
+                <a:tc>
+                  <a:txBody>
+                    <a:bodyPr/>
+                    <a:lstStyle/>
+                    <a:p>
+                      <a:r>
+                        <a:rPr lang="en-US" sz="2400" dirty="0"/>
+                        <a:t>23% (- 18%)</a:t>
+                      </a:r>
+                    </a:p>
+                  </a:txBody>
+                  <a:tcPr/>
+                </a:tc>
+                <a:extLst>
+                  <a:ext uri="{0D108BD9-81ED-4DB2-BD59-A6C34878D82A}">
+                    <a16:rowId xmlns:a16="http://schemas.microsoft.com/office/drawing/2014/main" val="918013200"/>
+                  </a:ext>
+                </a:extLst>
+              </a:tr>
+              <a:tr h="551552">
+                <a:tc>
+                  <a:txBody>
+                    <a:bodyPr/>
+                    <a:lstStyle/>
+                    <a:p>
+                      <a:r>
+                        <a:rPr lang="en-US" sz="2400" dirty="0"/>
+                        <a:t>Male</a:t>
+                      </a:r>
+                    </a:p>
+                  </a:txBody>
+                  <a:tcPr/>
+                </a:tc>
+                <a:tc>
+                  <a:txBody>
+                    <a:bodyPr/>
+                    <a:lstStyle/>
+                    <a:p>
+                      <a:r>
+                        <a:rPr lang="en-US" sz="2400" dirty="0"/>
+                        <a:t>50%</a:t>
+                      </a:r>
+                    </a:p>
+                  </a:txBody>
+                  <a:tcPr/>
+                </a:tc>
+                <a:tc>
+                  <a:txBody>
+                    <a:bodyPr/>
+                    <a:lstStyle/>
+                    <a:p>
+                      <a:r>
+                        <a:rPr lang="en-US" sz="2400" dirty="0"/>
+                        <a:t>40% (-10%)</a:t>
+                      </a:r>
+                    </a:p>
+                  </a:txBody>
+                  <a:tcPr/>
+                </a:tc>
+                <a:extLst>
+                  <a:ext uri="{0D108BD9-81ED-4DB2-BD59-A6C34878D82A}">
+                    <a16:rowId xmlns:a16="http://schemas.microsoft.com/office/drawing/2014/main" val="625731125"/>
+                  </a:ext>
+                </a:extLst>
+              </a:tr>
+              <a:tr h="551552">
+                <a:tc>
+                  <a:txBody>
+                    <a:bodyPr/>
+                    <a:lstStyle/>
+                    <a:p>
+                      <a:r>
+                        <a:rPr lang="en-US" sz="2400" dirty="0"/>
+                        <a:t>Female</a:t>
+                      </a:r>
+                    </a:p>
+                  </a:txBody>
+                  <a:tcPr/>
+                </a:tc>
+                <a:tc>
+                  <a:txBody>
+                    <a:bodyPr/>
+                    <a:lstStyle/>
+                    <a:p>
+                      <a:r>
+                        <a:rPr lang="en-US" sz="2400" dirty="0"/>
+                        <a:t>50%</a:t>
+                      </a:r>
+                    </a:p>
+                  </a:txBody>
+                  <a:tcPr/>
+                </a:tc>
+                <a:tc>
+                  <a:txBody>
+                    <a:bodyPr/>
+                    <a:lstStyle/>
+                    <a:p>
+                      <a:r>
+                        <a:rPr lang="en-US" sz="2400" dirty="0"/>
+                        <a:t>56% (+6%)</a:t>
+                      </a:r>
+                    </a:p>
+                  </a:txBody>
+                  <a:tcPr/>
+                </a:tc>
+                <a:extLst>
+                  <a:ext uri="{0D108BD9-81ED-4DB2-BD59-A6C34878D82A}">
+                    <a16:rowId xmlns:a16="http://schemas.microsoft.com/office/drawing/2014/main" val="3916874495"/>
+                  </a:ext>
+                </a:extLst>
+              </a:tr>
+            </a:tbl>
+          </a:graphicData>
+        </a:graphic>
+      </p:graphicFrame>
     </p:spTree>
     <p:extLst>
       <p:ext uri="{BB962C8B-B14F-4D97-AF65-F5344CB8AC3E}">
@@ -7488,13 +7736,13 @@
   <p:clrMapOvr>
     <a:masterClrMapping/>
   </p:clrMapOvr>
-  <mc:AlternateContent xmlns:mc="http://schemas.openxmlformats.org/markup-compatibility/2006">
-    <mc:Choice xmlns:p14="http://schemas.microsoft.com/office/powerpoint/2010/main" Requires="p14">
+  <mc:AlternateContent xmlns:mc="http://schemas.openxmlformats.org/markup-compatibility/2006" xmlns:p14="http://schemas.microsoft.com/office/powerpoint/2010/main">
+    <mc:Choice Requires="p14">
       <p:transition p14:dur="10" advClick="0">
         <p:fade/>
       </p:transition>
     </mc:Choice>
-    <mc:Fallback>
+    <mc:Fallback xmlns="">
       <p:transition advClick="0">
         <p:fade/>
       </p:transition>
@@ -7600,7 +7848,19 @@
             </a:pPr>
             <a:r>
               <a:rPr lang="en-US" sz="2800" dirty="0"/>
-              <a:t>More people cannot work remotely (necessary workers)</a:t>
+              <a:t>More people cannot work remotely (</a:t>
+            </a:r>
+            <a:r>
+              <a:rPr lang="en-US" sz="2800" dirty="0">
+                <a:solidFill>
+                  <a:srgbClr val="FF0000"/>
+                </a:solidFill>
+              </a:rPr>
+              <a:t>essential workers</a:t>
+            </a:r>
+            <a:r>
+              <a:rPr lang="en-US" sz="2800" dirty="0"/>
+              <a:t>)</a:t>
             </a:r>
           </a:p>
           <a:p>
@@ -7617,7 +7877,19 @@
             </a:pPr>
             <a:r>
               <a:rPr lang="en-US" sz="2800" dirty="0"/>
-              <a:t>More Hispanic people</a:t>
+              <a:t>More </a:t>
+            </a:r>
+            <a:r>
+              <a:rPr lang="en-US" sz="2800" dirty="0">
+                <a:solidFill>
+                  <a:srgbClr val="FF0000"/>
+                </a:solidFill>
+              </a:rPr>
+              <a:t>Hispanic</a:t>
+            </a:r>
+            <a:r>
+              <a:rPr lang="en-US" sz="2800" dirty="0"/>
+              <a:t> people</a:t>
             </a:r>
           </a:p>
           <a:p>
@@ -7634,7 +7906,19 @@
             </a:pPr>
             <a:r>
               <a:rPr lang="en-US" sz="2800" dirty="0"/>
-              <a:t>More senior people over 45 years old</a:t>
+              <a:t>More </a:t>
+            </a:r>
+            <a:r>
+              <a:rPr lang="en-US" sz="2800" dirty="0">
+                <a:solidFill>
+                  <a:srgbClr val="FF0000"/>
+                </a:solidFill>
+              </a:rPr>
+              <a:t>senior</a:t>
+            </a:r>
+            <a:r>
+              <a:rPr lang="en-US" sz="2800" dirty="0"/>
+              <a:t> people over 45 years old</a:t>
             </a:r>
           </a:p>
           <a:p>
@@ -7643,13 +7927,8 @@
           <a:p>
             <a:r>
               <a:rPr lang="en-US" sz="2800" dirty="0"/>
-              <a:t>Are correlated with </a:t>
-            </a:r>
-            <a:r>
-              <a:rPr lang="en-US" sz="2800"/>
-              <a:t>more transit usage.</a:t>
-            </a:r>
-            <a:endParaRPr lang="en-US" sz="2800" dirty="0"/>
+              <a:t>Are correlated with more transit usage.</a:t>
+            </a:r>
           </a:p>
           <a:p>
             <a:endParaRPr lang="en-US" sz="2800" dirty="0"/>
@@ -7705,13 +7984,13 @@
   <p:clrMapOvr>
     <a:masterClrMapping/>
   </p:clrMapOvr>
-  <mc:AlternateContent xmlns:mc="http://schemas.openxmlformats.org/markup-compatibility/2006">
-    <mc:Choice xmlns:p14="http://schemas.microsoft.com/office/powerpoint/2010/main" Requires="p14">
+  <mc:AlternateContent xmlns:mc="http://schemas.openxmlformats.org/markup-compatibility/2006" xmlns:p14="http://schemas.microsoft.com/office/powerpoint/2010/main">
+    <mc:Choice Requires="p14">
       <p:transition p14:dur="10" advClick="0">
         <p:fade/>
       </p:transition>
     </mc:Choice>
-    <mc:Fallback>
+    <mc:Fallback xmlns="">
       <p:transition advClick="0">
         <p:fade/>
       </p:transition>

--- a/doc/lightning_talk.pptx
+++ b/doc/lightning_talk.pptx
@@ -6,10 +6,10 @@
     <p:sldMasterId id="2147483751" r:id="rId2"/>
   </p:sldMasterIdLst>
   <p:notesMasterIdLst>
-    <p:notesMasterId r:id="rId16"/>
+    <p:notesMasterId r:id="rId15"/>
   </p:notesMasterIdLst>
   <p:handoutMasterIdLst>
-    <p:handoutMasterId r:id="rId17"/>
+    <p:handoutMasterId r:id="rId16"/>
   </p:handoutMasterIdLst>
   <p:sldIdLst>
     <p:sldId id="256" r:id="rId3"/>
@@ -22,9 +22,8 @@
     <p:sldId id="310" r:id="rId10"/>
     <p:sldId id="311" r:id="rId11"/>
     <p:sldId id="312" r:id="rId12"/>
-    <p:sldId id="313" r:id="rId13"/>
-    <p:sldId id="315" r:id="rId14"/>
-    <p:sldId id="300" r:id="rId15"/>
+    <p:sldId id="315" r:id="rId13"/>
+    <p:sldId id="300" r:id="rId14"/>
   </p:sldIdLst>
   <p:sldSz cx="9144000" cy="6858000" type="screen4x3"/>
   <p:notesSz cx="6858000" cy="9144000"/>
@@ -249,7 +248,7 @@
           </a:lstStyle>
           <a:p>
             <a:fld id="{9A5B6E0F-1DB3-5A43-B8F9-5E1E696749DF}" type="datetimeFigureOut">
-              <a:t>11/17/2020</a:t>
+              <a:t>11/19/2020</a:t>
             </a:fld>
             <a:endParaRPr lang="en-US" dirty="0"/>
           </a:p>
@@ -412,7 +411,7 @@
           </a:lstStyle>
           <a:p>
             <a:fld id="{C61BC211-ACBD-CB48-B939-364088D2CD6D}" type="datetimeFigureOut">
-              <a:t>11/17/2020</a:t>
+              <a:t>11/19/2020</a:t>
             </a:fld>
             <a:endParaRPr lang="en-US" dirty="0"/>
           </a:p>
@@ -1178,7 +1177,7 @@
           <a:p>
             <a:fld id="{D904D311-73F7-5D42-B843-E8305C73070F}" type="slidenum">
               <a:rPr lang="en-US" smtClean="0"/>
-              <a:t>12</a:t>
+              <a:t>11</a:t>
             </a:fld>
             <a:endParaRPr lang="en-US" dirty="0"/>
           </a:p>
@@ -3431,7 +3430,7 @@
             <a:fld id="{0F0D8E7B-AF3B-B444-8E74-E549FC814F53}" type="datetimeFigureOut">
               <a:rPr lang="en-US" smtClean="0"/>
               <a:pPr/>
-              <a:t>11/17/2020</a:t>
+              <a:t>11/19/2020</a:t>
             </a:fld>
             <a:endParaRPr lang="en-US" dirty="0"/>
           </a:p>
@@ -4852,373 +4851,6 @@
           <a:chExt cx="0" cy="0"/>
         </a:xfrm>
       </p:grpSpPr>
-      <p:pic>
-        <p:nvPicPr>
-          <p:cNvPr id="6146" name="Picture 2" descr="Man lights his parents' house on fire while trying to kill spiders |  Trending News,The Indian Express">
-            <a:extLst>
-              <a:ext uri="{FF2B5EF4-FFF2-40B4-BE49-F238E27FC236}">
-                <a16:creationId xmlns:a16="http://schemas.microsoft.com/office/drawing/2014/main" id="{B7700260-AA3E-4A50-9BB2-A063ACE31879}"/>
-              </a:ext>
-            </a:extLst>
-          </p:cNvPr>
-          <p:cNvPicPr>
-            <a:picLocks noChangeAspect="1" noChangeArrowheads="1"/>
-          </p:cNvPicPr>
-          <p:nvPr/>
-        </p:nvPicPr>
-        <p:blipFill>
-          <a:blip r:embed="rId2">
-            <a:extLst>
-              <a:ext uri="{28A0092B-C50C-407E-A947-70E740481C1C}">
-                <a14:useLocalDpi xmlns:a14="http://schemas.microsoft.com/office/drawing/2010/main" val="0"/>
-              </a:ext>
-            </a:extLst>
-          </a:blip>
-          <a:srcRect/>
-          <a:stretch>
-            <a:fillRect/>
-          </a:stretch>
-        </p:blipFill>
-        <p:spPr bwMode="auto">
-          <a:xfrm>
-            <a:off x="1" y="146891"/>
-            <a:ext cx="5903130" cy="3282109"/>
-          </a:xfrm>
-          <a:prstGeom prst="rect">
-            <a:avLst/>
-          </a:prstGeom>
-          <a:noFill/>
-          <a:extLst>
-            <a:ext uri="{909E8E84-426E-40DD-AFC4-6F175D3DCCD1}">
-              <a14:hiddenFill xmlns:a14="http://schemas.microsoft.com/office/drawing/2010/main">
-                <a:solidFill>
-                  <a:srgbClr val="FFFFFF"/>
-                </a:solidFill>
-              </a14:hiddenFill>
-            </a:ext>
-          </a:extLst>
-        </p:spPr>
-      </p:pic>
-      <p:pic>
-        <p:nvPicPr>
-          <p:cNvPr id="6148" name="Picture 4" descr="Full length profile shot of a well-dressed man running away from Stock  Photo - Alamy">
-            <a:extLst>
-              <a:ext uri="{FF2B5EF4-FFF2-40B4-BE49-F238E27FC236}">
-                <a16:creationId xmlns:a16="http://schemas.microsoft.com/office/drawing/2014/main" id="{AC3F3AEB-2852-4C44-95B2-CF1DC266A427}"/>
-              </a:ext>
-            </a:extLst>
-          </p:cNvPr>
-          <p:cNvPicPr>
-            <a:picLocks noChangeAspect="1" noChangeArrowheads="1"/>
-          </p:cNvPicPr>
-          <p:nvPr/>
-        </p:nvPicPr>
-        <p:blipFill rotWithShape="1">
-          <a:blip r:embed="rId3">
-            <a:extLst>
-              <a:ext uri="{28A0092B-C50C-407E-A947-70E740481C1C}">
-                <a14:useLocalDpi xmlns:a14="http://schemas.microsoft.com/office/drawing/2010/main" val="0"/>
-              </a:ext>
-            </a:extLst>
-          </a:blip>
-          <a:srcRect l="16346" t="6068" r="35443" b="12084"/>
-          <a:stretch/>
-        </p:blipFill>
-        <p:spPr bwMode="auto">
-          <a:xfrm>
-            <a:off x="6829014" y="3956537"/>
-            <a:ext cx="2169009" cy="2708031"/>
-          </a:xfrm>
-          <a:prstGeom prst="rect">
-            <a:avLst/>
-          </a:prstGeom>
-          <a:noFill/>
-          <a:extLst>
-            <a:ext uri="{909E8E84-426E-40DD-AFC4-6F175D3DCCD1}">
-              <a14:hiddenFill xmlns:a14="http://schemas.microsoft.com/office/drawing/2010/main">
-                <a:solidFill>
-                  <a:srgbClr val="FFFFFF"/>
-                </a:solidFill>
-              </a14:hiddenFill>
-            </a:ext>
-          </a:extLst>
-        </p:spPr>
-      </p:pic>
-      <p:pic>
-        <p:nvPicPr>
-          <p:cNvPr id="6150" name="Picture 6" descr="The magician performed high Hat Halloween hat cap flat black hat Jazz stage  performances of men and women|Men's Fedoras| - AliExpress">
-            <a:extLst>
-              <a:ext uri="{FF2B5EF4-FFF2-40B4-BE49-F238E27FC236}">
-                <a16:creationId xmlns:a16="http://schemas.microsoft.com/office/drawing/2014/main" id="{245FD1A2-D641-4182-BA4C-0ABE4E40FC7C}"/>
-              </a:ext>
-            </a:extLst>
-          </p:cNvPr>
-          <p:cNvPicPr>
-            <a:picLocks noChangeAspect="1" noChangeArrowheads="1"/>
-          </p:cNvPicPr>
-          <p:nvPr/>
-        </p:nvPicPr>
-        <p:blipFill>
-          <a:blip r:embed="rId4">
-            <a:clrChange>
-              <a:clrFrom>
-                <a:srgbClr val="FFFFFF"/>
-              </a:clrFrom>
-              <a:clrTo>
-                <a:srgbClr val="FFFFFF">
-                  <a:alpha val="0"/>
-                </a:srgbClr>
-              </a:clrTo>
-            </a:clrChange>
-            <a:extLst>
-              <a:ext uri="{28A0092B-C50C-407E-A947-70E740481C1C}">
-                <a14:useLocalDpi xmlns:a14="http://schemas.microsoft.com/office/drawing/2010/main" val="0"/>
-              </a:ext>
-            </a:extLst>
-          </a:blip>
-          <a:srcRect/>
-          <a:stretch>
-            <a:fillRect/>
-          </a:stretch>
-        </p:blipFill>
-        <p:spPr bwMode="auto">
-          <a:xfrm rot="576349">
-            <a:off x="8409322" y="3677846"/>
-            <a:ext cx="581068" cy="557383"/>
-          </a:xfrm>
-          <a:prstGeom prst="rect">
-            <a:avLst/>
-          </a:prstGeom>
-          <a:noFill/>
-          <a:extLst>
-            <a:ext uri="{909E8E84-426E-40DD-AFC4-6F175D3DCCD1}">
-              <a14:hiddenFill xmlns:a14="http://schemas.microsoft.com/office/drawing/2010/main">
-                <a:solidFill>
-                  <a:srgbClr val="FFFFFF"/>
-                </a:solidFill>
-              </a14:hiddenFill>
-            </a:ext>
-          </a:extLst>
-        </p:spPr>
-      </p:pic>
-      <p:pic>
-        <p:nvPicPr>
-          <p:cNvPr id="6152" name="Picture 8" descr="Grandma Was A Behavioral Designer">
-            <a:extLst>
-              <a:ext uri="{FF2B5EF4-FFF2-40B4-BE49-F238E27FC236}">
-                <a16:creationId xmlns:a16="http://schemas.microsoft.com/office/drawing/2014/main" id="{A2CB632D-D342-446F-9DDB-F3651835DB9D}"/>
-              </a:ext>
-            </a:extLst>
-          </p:cNvPr>
-          <p:cNvPicPr>
-            <a:picLocks noChangeAspect="1" noChangeArrowheads="1"/>
-          </p:cNvPicPr>
-          <p:nvPr/>
-        </p:nvPicPr>
-        <p:blipFill>
-          <a:blip r:embed="rId5">
-            <a:extLst>
-              <a:ext uri="{28A0092B-C50C-407E-A947-70E740481C1C}">
-                <a14:useLocalDpi xmlns:a14="http://schemas.microsoft.com/office/drawing/2010/main" val="0"/>
-              </a:ext>
-            </a:extLst>
-          </a:blip>
-          <a:srcRect/>
-          <a:stretch>
-            <a:fillRect/>
-          </a:stretch>
-        </p:blipFill>
-        <p:spPr bwMode="auto">
-          <a:xfrm>
-            <a:off x="1968109" y="2996233"/>
-            <a:ext cx="1833935" cy="1373681"/>
-          </a:xfrm>
-          <a:prstGeom prst="rect">
-            <a:avLst/>
-          </a:prstGeom>
-          <a:noFill/>
-          <a:extLst>
-            <a:ext uri="{909E8E84-426E-40DD-AFC4-6F175D3DCCD1}">
-              <a14:hiddenFill xmlns:a14="http://schemas.microsoft.com/office/drawing/2010/main">
-                <a:solidFill>
-                  <a:srgbClr val="FFFFFF"/>
-                </a:solidFill>
-              </a14:hiddenFill>
-            </a:ext>
-          </a:extLst>
-        </p:spPr>
-      </p:pic>
-      <p:pic>
-        <p:nvPicPr>
-          <p:cNvPr id="6154" name="Picture 10" descr="Why the NRA Has Been a Disaster for Black People – Mother Jones">
-            <a:extLst>
-              <a:ext uri="{FF2B5EF4-FFF2-40B4-BE49-F238E27FC236}">
-                <a16:creationId xmlns:a16="http://schemas.microsoft.com/office/drawing/2014/main" id="{65FA82A0-E297-47C5-B7EB-323386DB6050}"/>
-              </a:ext>
-            </a:extLst>
-          </p:cNvPr>
-          <p:cNvPicPr>
-            <a:picLocks noChangeAspect="1" noChangeArrowheads="1"/>
-          </p:cNvPicPr>
-          <p:nvPr/>
-        </p:nvPicPr>
-        <p:blipFill>
-          <a:blip r:embed="rId6">
-            <a:extLst>
-              <a:ext uri="{28A0092B-C50C-407E-A947-70E740481C1C}">
-                <a14:useLocalDpi xmlns:a14="http://schemas.microsoft.com/office/drawing/2010/main" val="0"/>
-              </a:ext>
-            </a:extLst>
-          </a:blip>
-          <a:srcRect/>
-          <a:stretch>
-            <a:fillRect/>
-          </a:stretch>
-        </p:blipFill>
-        <p:spPr bwMode="auto">
-          <a:xfrm>
-            <a:off x="47096" y="2998185"/>
-            <a:ext cx="2060522" cy="1373681"/>
-          </a:xfrm>
-          <a:prstGeom prst="rect">
-            <a:avLst/>
-          </a:prstGeom>
-          <a:noFill/>
-          <a:extLst>
-            <a:ext uri="{909E8E84-426E-40DD-AFC4-6F175D3DCCD1}">
-              <a14:hiddenFill xmlns:a14="http://schemas.microsoft.com/office/drawing/2010/main">
-                <a:solidFill>
-                  <a:srgbClr val="FFFFFF"/>
-                </a:solidFill>
-              </a14:hiddenFill>
-            </a:ext>
-          </a:extLst>
-        </p:spPr>
-      </p:pic>
-      <p:pic>
-        <p:nvPicPr>
-          <p:cNvPr id="6156" name="Picture 12" descr="CPR Training for Construction Worker">
-            <a:extLst>
-              <a:ext uri="{FF2B5EF4-FFF2-40B4-BE49-F238E27FC236}">
-                <a16:creationId xmlns:a16="http://schemas.microsoft.com/office/drawing/2014/main" id="{4D042D98-03B5-4D08-99EE-B64C08A7CDDF}"/>
-              </a:ext>
-            </a:extLst>
-          </p:cNvPr>
-          <p:cNvPicPr>
-            <a:picLocks noChangeAspect="1" noChangeArrowheads="1"/>
-          </p:cNvPicPr>
-          <p:nvPr/>
-        </p:nvPicPr>
-        <p:blipFill>
-          <a:blip r:embed="rId7">
-            <a:extLst>
-              <a:ext uri="{28A0092B-C50C-407E-A947-70E740481C1C}">
-                <a14:useLocalDpi xmlns:a14="http://schemas.microsoft.com/office/drawing/2010/main" val="0"/>
-              </a:ext>
-            </a:extLst>
-          </a:blip>
-          <a:srcRect/>
-          <a:stretch>
-            <a:fillRect/>
-          </a:stretch>
-        </p:blipFill>
-        <p:spPr bwMode="auto">
-          <a:xfrm>
-            <a:off x="3788364" y="3015490"/>
-            <a:ext cx="2064168" cy="1373681"/>
-          </a:xfrm>
-          <a:prstGeom prst="rect">
-            <a:avLst/>
-          </a:prstGeom>
-          <a:noFill/>
-          <a:extLst>
-            <a:ext uri="{909E8E84-426E-40DD-AFC4-6F175D3DCCD1}">
-              <a14:hiddenFill xmlns:a14="http://schemas.microsoft.com/office/drawing/2010/main">
-                <a:solidFill>
-                  <a:srgbClr val="FFFFFF"/>
-                </a:solidFill>
-              </a14:hiddenFill>
-            </a:ext>
-          </a:extLst>
-        </p:spPr>
-      </p:pic>
-      <p:sp>
-        <p:nvSpPr>
-          <p:cNvPr id="3" name="TextBox 2">
-            <a:extLst>
-              <a:ext uri="{FF2B5EF4-FFF2-40B4-BE49-F238E27FC236}">
-                <a16:creationId xmlns:a16="http://schemas.microsoft.com/office/drawing/2014/main" id="{73A4D8CE-8301-4BD3-8C2A-7837070E5B66}"/>
-              </a:ext>
-            </a:extLst>
-          </p:cNvPr>
-          <p:cNvSpPr txBox="1"/>
-          <p:nvPr/>
-        </p:nvSpPr>
-        <p:spPr>
-          <a:xfrm>
-            <a:off x="1200150" y="5286375"/>
-            <a:ext cx="4114800" cy="584775"/>
-          </a:xfrm>
-          <a:prstGeom prst="rect">
-            <a:avLst/>
-          </a:prstGeom>
-          <a:noFill/>
-        </p:spPr>
-        <p:txBody>
-          <a:bodyPr wrap="square" rtlCol="0">
-            <a:spAutoFit/>
-          </a:bodyPr>
-          <a:lstStyle/>
-          <a:p>
-            <a:r>
-              <a:rPr lang="en-US" sz="3200" dirty="0"/>
-              <a:t>Who’s here to stay?</a:t>
-            </a:r>
-          </a:p>
-        </p:txBody>
-      </p:sp>
-    </p:spTree>
-    <p:extLst>
-      <p:ext uri="{BB962C8B-B14F-4D97-AF65-F5344CB8AC3E}">
-        <p14:creationId xmlns:p14="http://schemas.microsoft.com/office/powerpoint/2010/main" val="647871419"/>
-      </p:ext>
-    </p:extLst>
-  </p:cSld>
-  <p:clrMapOvr>
-    <a:masterClrMapping/>
-  </p:clrMapOvr>
-  <mc:AlternateContent xmlns:mc="http://schemas.openxmlformats.org/markup-compatibility/2006" xmlns:p14="http://schemas.microsoft.com/office/powerpoint/2010/main">
-    <mc:Choice Requires="p14">
-      <p:transition p14:dur="10" advClick="0">
-        <p:fade/>
-      </p:transition>
-    </mc:Choice>
-    <mc:Fallback xmlns="">
-      <p:transition advClick="0">
-        <p:fade/>
-      </p:transition>
-    </mc:Fallback>
-  </mc:AlternateContent>
-</p:sld>
-</file>
-
-<file path=ppt/slides/slide12.xml><?xml version="1.0" encoding="utf-8"?>
-<p:sld xmlns:a="http://schemas.openxmlformats.org/drawingml/2006/main" xmlns:r="http://schemas.openxmlformats.org/officeDocument/2006/relationships" xmlns:p="http://schemas.openxmlformats.org/presentationml/2006/main">
-  <p:cSld>
-    <p:spTree>
-      <p:nvGrpSpPr>
-        <p:cNvPr id="1" name=""/>
-        <p:cNvGrpSpPr/>
-        <p:nvPr/>
-      </p:nvGrpSpPr>
-      <p:grpSpPr>
-        <a:xfrm>
-          <a:off x="0" y="0"/>
-          <a:ext cx="0" cy="0"/>
-          <a:chOff x="0" y="0"/>
-          <a:chExt cx="0" cy="0"/>
-        </a:xfrm>
-      </p:grpSpPr>
       <p:sp>
         <p:nvSpPr>
           <p:cNvPr id="2" name="Content Placeholder 1">
@@ -5316,7 +4948,22 @@
             </a:pPr>
             <a:r>
               <a:rPr lang="en-US" dirty="0"/>
-              <a:t>Your preference hardly matters during this crisis.</a:t>
+              <a:t>Systemic racism is a public </a:t>
+            </a:r>
+            <a:r>
+              <a:rPr lang="en-US"/>
+              <a:t>health issue.</a:t>
+            </a:r>
+            <a:endParaRPr lang="en-US" dirty="0"/>
+          </a:p>
+          <a:p>
+            <a:pPr marL="457200" indent="-457200">
+              <a:buFont typeface="Arial" panose="020B0604020202020204" pitchFamily="34" charset="0"/>
+              <a:buChar char="•"/>
+            </a:pPr>
+            <a:r>
+              <a:rPr lang="en-US" dirty="0"/>
+              <a:t>Your awareness hardly matters compared to other factors.</a:t>
             </a:r>
           </a:p>
           <a:p>
@@ -5340,7 +4987,7 @@
                   <a:srgbClr val="C00000"/>
                 </a:solidFill>
               </a:rPr>
-              <a:t>Public transit should not be a business, but a social-welfare.</a:t>
+              <a:t>Public transit should not be a business, but an essential social infrastructure.</a:t>
             </a:r>
           </a:p>
           <a:p>
@@ -5424,7 +5071,7 @@
 </p:sld>
 </file>
 
-<file path=ppt/slides/slide13.xml><?xml version="1.0" encoding="utf-8"?>
+<file path=ppt/slides/slide12.xml><?xml version="1.0" encoding="utf-8"?>
 <p:sld xmlns:a="http://schemas.openxmlformats.org/drawingml/2006/main" xmlns:r="http://schemas.openxmlformats.org/officeDocument/2006/relationships" xmlns:p="http://schemas.openxmlformats.org/presentationml/2006/main">
   <p:cSld>
     <p:spTree>
